--- a/1AS/atome_SA.pptx
+++ b/1AS/atome_SA.pptx
@@ -128,6 +128,22 @@
       </a:defRPr>
     </a:lvl9pPr>
   </p:defaultTextStyle>
+  <p:extLst>
+    <p:ext uri="{EFAFB233-063F-42B5-8137-9DF3F51BA10A}">
+      <p15:sldGuideLst xmlns:p15="http://schemas.microsoft.com/office/powerpoint/2012/main">
+        <p15:guide id="1" orient="horz" pos="2160">
+          <p15:clr>
+            <a:srgbClr val="A4A3A4"/>
+          </p15:clr>
+        </p15:guide>
+        <p15:guide id="2" pos="2880">
+          <p15:clr>
+            <a:srgbClr val="A4A3A4"/>
+          </p15:clr>
+        </p15:guide>
+      </p15:sldGuideLst>
+    </p:ext>
+  </p:extLst>
 </p:presentation>
 </file>
 
@@ -214,7 +230,7 @@
             <a:fld id="{DABBCDC3-1B7B-4377-AFCC-0489EAE68C35}" type="datetimeFigureOut">
               <a:rPr lang="fr-FR" smtClean="0"/>
               <a:pPr/>
-              <a:t>13/12/2011</a:t>
+              <a:t>09/10/2021</a:t>
             </a:fld>
             <a:endParaRPr lang="fr-FR"/>
           </a:p>
@@ -280,38 +296,37 @@
           <a:p>
             <a:pPr lvl="0"/>
             <a:r>
-              <a:rPr lang="fr-FR" smtClean="0"/>
+              <a:rPr lang="fr-FR"/>
               <a:t>Cliquez pour modifier les styles du texte du masque</a:t>
             </a:r>
           </a:p>
           <a:p>
             <a:pPr lvl="1"/>
             <a:r>
-              <a:rPr lang="fr-FR" smtClean="0"/>
+              <a:rPr lang="fr-FR"/>
               <a:t>Deuxième niveau</a:t>
             </a:r>
           </a:p>
           <a:p>
             <a:pPr lvl="2"/>
             <a:r>
-              <a:rPr lang="fr-FR" smtClean="0"/>
+              <a:rPr lang="fr-FR"/>
               <a:t>Troisième niveau</a:t>
             </a:r>
           </a:p>
           <a:p>
             <a:pPr lvl="3"/>
             <a:r>
-              <a:rPr lang="fr-FR" smtClean="0"/>
+              <a:rPr lang="fr-FR"/>
               <a:t>Quatrième niveau</a:t>
             </a:r>
           </a:p>
           <a:p>
             <a:pPr lvl="4"/>
             <a:r>
-              <a:rPr lang="fr-FR" smtClean="0"/>
+              <a:rPr lang="fr-FR"/>
               <a:t>Cinquième niveau</a:t>
             </a:r>
-            <a:endParaRPr lang="fr-FR"/>
           </a:p>
         </p:txBody>
       </p:sp>
@@ -376,7 +391,7 @@
             <a:fld id="{136C080A-8BF6-446F-B01B-0ABEB3F62D5D}" type="slidenum">
               <a:rPr lang="fr-FR" smtClean="0"/>
               <a:pPr/>
-              <a:t>‹N°›</a:t>
+              <a:t>‹#›</a:t>
             </a:fld>
             <a:endParaRPr lang="fr-FR"/>
           </a:p>
@@ -600,10 +615,9 @@
           <a:lstStyle/>
           <a:p>
             <a:r>
-              <a:rPr lang="fr-FR" smtClean="0"/>
+              <a:rPr lang="fr-FR"/>
               <a:t>Cliquez pour modifier le style du titre</a:t>
             </a:r>
-            <a:endParaRPr lang="fr-FR"/>
           </a:p>
         </p:txBody>
       </p:sp>
@@ -719,10 +733,9 @@
           </a:lstStyle>
           <a:p>
             <a:r>
-              <a:rPr lang="fr-FR" smtClean="0"/>
+              <a:rPr lang="fr-FR"/>
               <a:t>Cliquez pour modifier le style des sous-titres du masque</a:t>
             </a:r>
-            <a:endParaRPr lang="fr-FR"/>
           </a:p>
         </p:txBody>
       </p:sp>
@@ -744,7 +757,7 @@
             <a:fld id="{AA309A6D-C09C-4548-B29A-6CF363A7E532}" type="datetimeFigureOut">
               <a:rPr lang="fr-FR" smtClean="0"/>
               <a:pPr/>
-              <a:t>13/12/2011</a:t>
+              <a:t>09/10/2021</a:t>
             </a:fld>
             <a:endParaRPr lang="fr-BE"/>
           </a:p>
@@ -787,7 +800,7 @@
             <a:fld id="{CF4668DC-857F-487D-BFFA-8C0CA5037977}" type="slidenum">
               <a:rPr lang="fr-BE" smtClean="0"/>
               <a:pPr/>
-              <a:t>‹N°›</a:t>
+              <a:t>‹#›</a:t>
             </a:fld>
             <a:endParaRPr lang="fr-BE"/>
           </a:p>
@@ -834,10 +847,9 @@
           <a:lstStyle/>
           <a:p>
             <a:r>
-              <a:rPr lang="fr-FR" smtClean="0"/>
+              <a:rPr lang="fr-FR"/>
               <a:t>Cliquez pour modifier le style du titre</a:t>
             </a:r>
-            <a:endParaRPr lang="fr-FR"/>
           </a:p>
         </p:txBody>
       </p:sp>
@@ -858,38 +870,37 @@
           <a:p>
             <a:pPr lvl="0"/>
             <a:r>
-              <a:rPr lang="fr-FR" smtClean="0"/>
+              <a:rPr lang="fr-FR"/>
               <a:t>Cliquez pour modifier les styles du texte du masque</a:t>
             </a:r>
           </a:p>
           <a:p>
             <a:pPr lvl="1"/>
             <a:r>
-              <a:rPr lang="fr-FR" smtClean="0"/>
+              <a:rPr lang="fr-FR"/>
               <a:t>Deuxième niveau</a:t>
             </a:r>
           </a:p>
           <a:p>
             <a:pPr lvl="2"/>
             <a:r>
-              <a:rPr lang="fr-FR" smtClean="0"/>
+              <a:rPr lang="fr-FR"/>
               <a:t>Troisième niveau</a:t>
             </a:r>
           </a:p>
           <a:p>
             <a:pPr lvl="3"/>
             <a:r>
-              <a:rPr lang="fr-FR" smtClean="0"/>
+              <a:rPr lang="fr-FR"/>
               <a:t>Quatrième niveau</a:t>
             </a:r>
           </a:p>
           <a:p>
             <a:pPr lvl="4"/>
             <a:r>
-              <a:rPr lang="fr-FR" smtClean="0"/>
+              <a:rPr lang="fr-FR"/>
               <a:t>Cinquième niveau</a:t>
             </a:r>
-            <a:endParaRPr lang="fr-FR"/>
           </a:p>
         </p:txBody>
       </p:sp>
@@ -911,7 +922,7 @@
             <a:fld id="{AA309A6D-C09C-4548-B29A-6CF363A7E532}" type="datetimeFigureOut">
               <a:rPr lang="fr-FR" smtClean="0"/>
               <a:pPr/>
-              <a:t>13/12/2011</a:t>
+              <a:t>09/10/2021</a:t>
             </a:fld>
             <a:endParaRPr lang="fr-BE"/>
           </a:p>
@@ -954,7 +965,7 @@
             <a:fld id="{CF4668DC-857F-487D-BFFA-8C0CA5037977}" type="slidenum">
               <a:rPr lang="fr-BE" smtClean="0"/>
               <a:pPr/>
-              <a:t>‹N°›</a:t>
+              <a:t>‹#›</a:t>
             </a:fld>
             <a:endParaRPr lang="fr-BE"/>
           </a:p>
@@ -1006,10 +1017,9 @@
           <a:lstStyle/>
           <a:p>
             <a:r>
-              <a:rPr lang="fr-FR" smtClean="0"/>
+              <a:rPr lang="fr-FR"/>
               <a:t>Cliquez pour modifier le style du titre</a:t>
             </a:r>
-            <a:endParaRPr lang="fr-FR"/>
           </a:p>
         </p:txBody>
       </p:sp>
@@ -1035,38 +1045,37 @@
           <a:p>
             <a:pPr lvl="0"/>
             <a:r>
-              <a:rPr lang="fr-FR" smtClean="0"/>
+              <a:rPr lang="fr-FR"/>
               <a:t>Cliquez pour modifier les styles du texte du masque</a:t>
             </a:r>
           </a:p>
           <a:p>
             <a:pPr lvl="1"/>
             <a:r>
-              <a:rPr lang="fr-FR" smtClean="0"/>
+              <a:rPr lang="fr-FR"/>
               <a:t>Deuxième niveau</a:t>
             </a:r>
           </a:p>
           <a:p>
             <a:pPr lvl="2"/>
             <a:r>
-              <a:rPr lang="fr-FR" smtClean="0"/>
+              <a:rPr lang="fr-FR"/>
               <a:t>Troisième niveau</a:t>
             </a:r>
           </a:p>
           <a:p>
             <a:pPr lvl="3"/>
             <a:r>
-              <a:rPr lang="fr-FR" smtClean="0"/>
+              <a:rPr lang="fr-FR"/>
               <a:t>Quatrième niveau</a:t>
             </a:r>
           </a:p>
           <a:p>
             <a:pPr lvl="4"/>
             <a:r>
-              <a:rPr lang="fr-FR" smtClean="0"/>
+              <a:rPr lang="fr-FR"/>
               <a:t>Cinquième niveau</a:t>
             </a:r>
-            <a:endParaRPr lang="fr-FR"/>
           </a:p>
         </p:txBody>
       </p:sp>
@@ -1088,7 +1097,7 @@
             <a:fld id="{AA309A6D-C09C-4548-B29A-6CF363A7E532}" type="datetimeFigureOut">
               <a:rPr lang="fr-FR" smtClean="0"/>
               <a:pPr/>
-              <a:t>13/12/2011</a:t>
+              <a:t>09/10/2021</a:t>
             </a:fld>
             <a:endParaRPr lang="fr-BE"/>
           </a:p>
@@ -1131,7 +1140,7 @@
             <a:fld id="{CF4668DC-857F-487D-BFFA-8C0CA5037977}" type="slidenum">
               <a:rPr lang="fr-BE" smtClean="0"/>
               <a:pPr/>
-              <a:t>‹N°›</a:t>
+              <a:t>‹#›</a:t>
             </a:fld>
             <a:endParaRPr lang="fr-BE"/>
           </a:p>
@@ -1178,10 +1187,9 @@
           <a:lstStyle/>
           <a:p>
             <a:r>
-              <a:rPr lang="fr-FR" smtClean="0"/>
+              <a:rPr lang="fr-FR"/>
               <a:t>Cliquez pour modifier le style du titre</a:t>
             </a:r>
-            <a:endParaRPr lang="fr-FR"/>
           </a:p>
         </p:txBody>
       </p:sp>
@@ -1202,38 +1210,37 @@
           <a:p>
             <a:pPr lvl="0"/>
             <a:r>
-              <a:rPr lang="fr-FR" smtClean="0"/>
+              <a:rPr lang="fr-FR"/>
               <a:t>Cliquez pour modifier les styles du texte du masque</a:t>
             </a:r>
           </a:p>
           <a:p>
             <a:pPr lvl="1"/>
             <a:r>
-              <a:rPr lang="fr-FR" smtClean="0"/>
+              <a:rPr lang="fr-FR"/>
               <a:t>Deuxième niveau</a:t>
             </a:r>
           </a:p>
           <a:p>
             <a:pPr lvl="2"/>
             <a:r>
-              <a:rPr lang="fr-FR" smtClean="0"/>
+              <a:rPr lang="fr-FR"/>
               <a:t>Troisième niveau</a:t>
             </a:r>
           </a:p>
           <a:p>
             <a:pPr lvl="3"/>
             <a:r>
-              <a:rPr lang="fr-FR" smtClean="0"/>
+              <a:rPr lang="fr-FR"/>
               <a:t>Quatrième niveau</a:t>
             </a:r>
           </a:p>
           <a:p>
             <a:pPr lvl="4"/>
             <a:r>
-              <a:rPr lang="fr-FR" smtClean="0"/>
+              <a:rPr lang="fr-FR"/>
               <a:t>Cinquième niveau</a:t>
             </a:r>
-            <a:endParaRPr lang="fr-FR"/>
           </a:p>
         </p:txBody>
       </p:sp>
@@ -1255,7 +1262,7 @@
             <a:fld id="{AA309A6D-C09C-4548-B29A-6CF363A7E532}" type="datetimeFigureOut">
               <a:rPr lang="fr-FR" smtClean="0"/>
               <a:pPr/>
-              <a:t>13/12/2011</a:t>
+              <a:t>09/10/2021</a:t>
             </a:fld>
             <a:endParaRPr lang="fr-BE"/>
           </a:p>
@@ -1298,7 +1305,7 @@
             <a:fld id="{CF4668DC-857F-487D-BFFA-8C0CA5037977}" type="slidenum">
               <a:rPr lang="fr-BE" smtClean="0"/>
               <a:pPr/>
-              <a:t>‹N°›</a:t>
+              <a:t>‹#›</a:t>
             </a:fld>
             <a:endParaRPr lang="fr-BE"/>
           </a:p>
@@ -1354,10 +1361,9 @@
           </a:lstStyle>
           <a:p>
             <a:r>
-              <a:rPr lang="fr-FR" smtClean="0"/>
+              <a:rPr lang="fr-FR"/>
               <a:t>Cliquez pour modifier le style du titre</a:t>
             </a:r>
-            <a:endParaRPr lang="fr-FR"/>
           </a:p>
         </p:txBody>
       </p:sp>
@@ -1474,7 +1480,7 @@
           <a:p>
             <a:pPr lvl="0"/>
             <a:r>
-              <a:rPr lang="fr-FR" smtClean="0"/>
+              <a:rPr lang="fr-FR"/>
               <a:t>Cliquez pour modifier les styles du texte du masque</a:t>
             </a:r>
           </a:p>
@@ -1498,7 +1504,7 @@
             <a:fld id="{AA309A6D-C09C-4548-B29A-6CF363A7E532}" type="datetimeFigureOut">
               <a:rPr lang="fr-FR" smtClean="0"/>
               <a:pPr/>
-              <a:t>13/12/2011</a:t>
+              <a:t>09/10/2021</a:t>
             </a:fld>
             <a:endParaRPr lang="fr-BE"/>
           </a:p>
@@ -1541,7 +1547,7 @@
             <a:fld id="{CF4668DC-857F-487D-BFFA-8C0CA5037977}" type="slidenum">
               <a:rPr lang="fr-BE" smtClean="0"/>
               <a:pPr/>
-              <a:t>‹N°›</a:t>
+              <a:t>‹#›</a:t>
             </a:fld>
             <a:endParaRPr lang="fr-BE"/>
           </a:p>
@@ -1588,10 +1594,9 @@
           <a:lstStyle/>
           <a:p>
             <a:r>
-              <a:rPr lang="fr-FR" smtClean="0"/>
+              <a:rPr lang="fr-FR"/>
               <a:t>Cliquez pour modifier le style du titre</a:t>
             </a:r>
-            <a:endParaRPr lang="fr-FR"/>
           </a:p>
         </p:txBody>
       </p:sp>
@@ -1645,38 +1650,37 @@
           <a:p>
             <a:pPr lvl="0"/>
             <a:r>
-              <a:rPr lang="fr-FR" smtClean="0"/>
+              <a:rPr lang="fr-FR"/>
               <a:t>Cliquez pour modifier les styles du texte du masque</a:t>
             </a:r>
           </a:p>
           <a:p>
             <a:pPr lvl="1"/>
             <a:r>
-              <a:rPr lang="fr-FR" smtClean="0"/>
+              <a:rPr lang="fr-FR"/>
               <a:t>Deuxième niveau</a:t>
             </a:r>
           </a:p>
           <a:p>
             <a:pPr lvl="2"/>
             <a:r>
-              <a:rPr lang="fr-FR" smtClean="0"/>
+              <a:rPr lang="fr-FR"/>
               <a:t>Troisième niveau</a:t>
             </a:r>
           </a:p>
           <a:p>
             <a:pPr lvl="3"/>
             <a:r>
-              <a:rPr lang="fr-FR" smtClean="0"/>
+              <a:rPr lang="fr-FR"/>
               <a:t>Quatrième niveau</a:t>
             </a:r>
           </a:p>
           <a:p>
             <a:pPr lvl="4"/>
             <a:r>
-              <a:rPr lang="fr-FR" smtClean="0"/>
+              <a:rPr lang="fr-FR"/>
               <a:t>Cinquième niveau</a:t>
             </a:r>
-            <a:endParaRPr lang="fr-FR"/>
           </a:p>
         </p:txBody>
       </p:sp>
@@ -1730,38 +1734,37 @@
           <a:p>
             <a:pPr lvl="0"/>
             <a:r>
-              <a:rPr lang="fr-FR" smtClean="0"/>
+              <a:rPr lang="fr-FR"/>
               <a:t>Cliquez pour modifier les styles du texte du masque</a:t>
             </a:r>
           </a:p>
           <a:p>
             <a:pPr lvl="1"/>
             <a:r>
-              <a:rPr lang="fr-FR" smtClean="0"/>
+              <a:rPr lang="fr-FR"/>
               <a:t>Deuxième niveau</a:t>
             </a:r>
           </a:p>
           <a:p>
             <a:pPr lvl="2"/>
             <a:r>
-              <a:rPr lang="fr-FR" smtClean="0"/>
+              <a:rPr lang="fr-FR"/>
               <a:t>Troisième niveau</a:t>
             </a:r>
           </a:p>
           <a:p>
             <a:pPr lvl="3"/>
             <a:r>
-              <a:rPr lang="fr-FR" smtClean="0"/>
+              <a:rPr lang="fr-FR"/>
               <a:t>Quatrième niveau</a:t>
             </a:r>
           </a:p>
           <a:p>
             <a:pPr lvl="4"/>
             <a:r>
-              <a:rPr lang="fr-FR" smtClean="0"/>
+              <a:rPr lang="fr-FR"/>
               <a:t>Cinquième niveau</a:t>
             </a:r>
-            <a:endParaRPr lang="fr-FR"/>
           </a:p>
         </p:txBody>
       </p:sp>
@@ -1783,7 +1786,7 @@
             <a:fld id="{AA309A6D-C09C-4548-B29A-6CF363A7E532}" type="datetimeFigureOut">
               <a:rPr lang="fr-FR" smtClean="0"/>
               <a:pPr/>
-              <a:t>13/12/2011</a:t>
+              <a:t>09/10/2021</a:t>
             </a:fld>
             <a:endParaRPr lang="fr-BE"/>
           </a:p>
@@ -1826,7 +1829,7 @@
             <a:fld id="{CF4668DC-857F-487D-BFFA-8C0CA5037977}" type="slidenum">
               <a:rPr lang="fr-BE" smtClean="0"/>
               <a:pPr/>
-              <a:t>‹N°›</a:t>
+              <a:t>‹#›</a:t>
             </a:fld>
             <a:endParaRPr lang="fr-BE"/>
           </a:p>
@@ -1877,10 +1880,9 @@
           </a:lstStyle>
           <a:p>
             <a:r>
-              <a:rPr lang="fr-FR" smtClean="0"/>
+              <a:rPr lang="fr-FR"/>
               <a:t>Cliquez pour modifier le style du titre</a:t>
             </a:r>
-            <a:endParaRPr lang="fr-FR"/>
           </a:p>
         </p:txBody>
       </p:sp>
@@ -1943,7 +1945,7 @@
           <a:p>
             <a:pPr lvl="0"/>
             <a:r>
-              <a:rPr lang="fr-FR" smtClean="0"/>
+              <a:rPr lang="fr-FR"/>
               <a:t>Cliquez pour modifier les styles du texte du masque</a:t>
             </a:r>
           </a:p>
@@ -1999,38 +2001,37 @@
           <a:p>
             <a:pPr lvl="0"/>
             <a:r>
-              <a:rPr lang="fr-FR" smtClean="0"/>
+              <a:rPr lang="fr-FR"/>
               <a:t>Cliquez pour modifier les styles du texte du masque</a:t>
             </a:r>
           </a:p>
           <a:p>
             <a:pPr lvl="1"/>
             <a:r>
-              <a:rPr lang="fr-FR" smtClean="0"/>
+              <a:rPr lang="fr-FR"/>
               <a:t>Deuxième niveau</a:t>
             </a:r>
           </a:p>
           <a:p>
             <a:pPr lvl="2"/>
             <a:r>
-              <a:rPr lang="fr-FR" smtClean="0"/>
+              <a:rPr lang="fr-FR"/>
               <a:t>Troisième niveau</a:t>
             </a:r>
           </a:p>
           <a:p>
             <a:pPr lvl="3"/>
             <a:r>
-              <a:rPr lang="fr-FR" smtClean="0"/>
+              <a:rPr lang="fr-FR"/>
               <a:t>Quatrième niveau</a:t>
             </a:r>
           </a:p>
           <a:p>
             <a:pPr lvl="4"/>
             <a:r>
-              <a:rPr lang="fr-FR" smtClean="0"/>
+              <a:rPr lang="fr-FR"/>
               <a:t>Cinquième niveau</a:t>
             </a:r>
-            <a:endParaRPr lang="fr-FR"/>
           </a:p>
         </p:txBody>
       </p:sp>
@@ -2093,7 +2094,7 @@
           <a:p>
             <a:pPr lvl="0"/>
             <a:r>
-              <a:rPr lang="fr-FR" smtClean="0"/>
+              <a:rPr lang="fr-FR"/>
               <a:t>Cliquez pour modifier les styles du texte du masque</a:t>
             </a:r>
           </a:p>
@@ -2149,38 +2150,37 @@
           <a:p>
             <a:pPr lvl="0"/>
             <a:r>
-              <a:rPr lang="fr-FR" smtClean="0"/>
+              <a:rPr lang="fr-FR"/>
               <a:t>Cliquez pour modifier les styles du texte du masque</a:t>
             </a:r>
           </a:p>
           <a:p>
             <a:pPr lvl="1"/>
             <a:r>
-              <a:rPr lang="fr-FR" smtClean="0"/>
+              <a:rPr lang="fr-FR"/>
               <a:t>Deuxième niveau</a:t>
             </a:r>
           </a:p>
           <a:p>
             <a:pPr lvl="2"/>
             <a:r>
-              <a:rPr lang="fr-FR" smtClean="0"/>
+              <a:rPr lang="fr-FR"/>
               <a:t>Troisième niveau</a:t>
             </a:r>
           </a:p>
           <a:p>
             <a:pPr lvl="3"/>
             <a:r>
-              <a:rPr lang="fr-FR" smtClean="0"/>
+              <a:rPr lang="fr-FR"/>
               <a:t>Quatrième niveau</a:t>
             </a:r>
           </a:p>
           <a:p>
             <a:pPr lvl="4"/>
             <a:r>
-              <a:rPr lang="fr-FR" smtClean="0"/>
+              <a:rPr lang="fr-FR"/>
               <a:t>Cinquième niveau</a:t>
             </a:r>
-            <a:endParaRPr lang="fr-FR"/>
           </a:p>
         </p:txBody>
       </p:sp>
@@ -2202,7 +2202,7 @@
             <a:fld id="{AA309A6D-C09C-4548-B29A-6CF363A7E532}" type="datetimeFigureOut">
               <a:rPr lang="fr-FR" smtClean="0"/>
               <a:pPr/>
-              <a:t>13/12/2011</a:t>
+              <a:t>09/10/2021</a:t>
             </a:fld>
             <a:endParaRPr lang="fr-BE"/>
           </a:p>
@@ -2245,7 +2245,7 @@
             <a:fld id="{CF4668DC-857F-487D-BFFA-8C0CA5037977}" type="slidenum">
               <a:rPr lang="fr-BE" smtClean="0"/>
               <a:pPr/>
-              <a:t>‹N°›</a:t>
+              <a:t>‹#›</a:t>
             </a:fld>
             <a:endParaRPr lang="fr-BE"/>
           </a:p>
@@ -2292,10 +2292,9 @@
           <a:lstStyle/>
           <a:p>
             <a:r>
-              <a:rPr lang="fr-FR" smtClean="0"/>
+              <a:rPr lang="fr-FR"/>
               <a:t>Cliquez pour modifier le style du titre</a:t>
             </a:r>
-            <a:endParaRPr lang="fr-FR"/>
           </a:p>
         </p:txBody>
       </p:sp>
@@ -2317,7 +2316,7 @@
             <a:fld id="{AA309A6D-C09C-4548-B29A-6CF363A7E532}" type="datetimeFigureOut">
               <a:rPr lang="fr-FR" smtClean="0"/>
               <a:pPr/>
-              <a:t>13/12/2011</a:t>
+              <a:t>09/10/2021</a:t>
             </a:fld>
             <a:endParaRPr lang="fr-BE"/>
           </a:p>
@@ -2360,7 +2359,7 @@
             <a:fld id="{CF4668DC-857F-487D-BFFA-8C0CA5037977}" type="slidenum">
               <a:rPr lang="fr-BE" smtClean="0"/>
               <a:pPr/>
-              <a:t>‹N°›</a:t>
+              <a:t>‹#›</a:t>
             </a:fld>
             <a:endParaRPr lang="fr-BE"/>
           </a:p>
@@ -2409,7 +2408,7 @@
             <a:fld id="{AA309A6D-C09C-4548-B29A-6CF363A7E532}" type="datetimeFigureOut">
               <a:rPr lang="fr-FR" smtClean="0"/>
               <a:pPr/>
-              <a:t>13/12/2011</a:t>
+              <a:t>09/10/2021</a:t>
             </a:fld>
             <a:endParaRPr lang="fr-BE"/>
           </a:p>
@@ -2452,7 +2451,7 @@
             <a:fld id="{CF4668DC-857F-487D-BFFA-8C0CA5037977}" type="slidenum">
               <a:rPr lang="fr-BE" smtClean="0"/>
               <a:pPr/>
-              <a:t>‹N°›</a:t>
+              <a:t>‹#›</a:t>
             </a:fld>
             <a:endParaRPr lang="fr-BE"/>
           </a:p>
@@ -2508,10 +2507,9 @@
           </a:lstStyle>
           <a:p>
             <a:r>
-              <a:rPr lang="fr-FR" smtClean="0"/>
+              <a:rPr lang="fr-FR"/>
               <a:t>Cliquez pour modifier le style du titre</a:t>
             </a:r>
-            <a:endParaRPr lang="fr-FR"/>
           </a:p>
         </p:txBody>
       </p:sp>
@@ -2565,38 +2563,37 @@
           <a:p>
             <a:pPr lvl="0"/>
             <a:r>
-              <a:rPr lang="fr-FR" smtClean="0"/>
+              <a:rPr lang="fr-FR"/>
               <a:t>Cliquez pour modifier les styles du texte du masque</a:t>
             </a:r>
           </a:p>
           <a:p>
             <a:pPr lvl="1"/>
             <a:r>
-              <a:rPr lang="fr-FR" smtClean="0"/>
+              <a:rPr lang="fr-FR"/>
               <a:t>Deuxième niveau</a:t>
             </a:r>
           </a:p>
           <a:p>
             <a:pPr lvl="2"/>
             <a:r>
-              <a:rPr lang="fr-FR" smtClean="0"/>
+              <a:rPr lang="fr-FR"/>
               <a:t>Troisième niveau</a:t>
             </a:r>
           </a:p>
           <a:p>
             <a:pPr lvl="3"/>
             <a:r>
-              <a:rPr lang="fr-FR" smtClean="0"/>
+              <a:rPr lang="fr-FR"/>
               <a:t>Quatrième niveau</a:t>
             </a:r>
           </a:p>
           <a:p>
             <a:pPr lvl="4"/>
             <a:r>
-              <a:rPr lang="fr-FR" smtClean="0"/>
+              <a:rPr lang="fr-FR"/>
               <a:t>Cinquième niveau</a:t>
             </a:r>
-            <a:endParaRPr lang="fr-FR"/>
           </a:p>
         </p:txBody>
       </p:sp>
@@ -2659,7 +2656,7 @@
           <a:p>
             <a:pPr lvl="0"/>
             <a:r>
-              <a:rPr lang="fr-FR" smtClean="0"/>
+              <a:rPr lang="fr-FR"/>
               <a:t>Cliquez pour modifier les styles du texte du masque</a:t>
             </a:r>
           </a:p>
@@ -2683,7 +2680,7 @@
             <a:fld id="{AA309A6D-C09C-4548-B29A-6CF363A7E532}" type="datetimeFigureOut">
               <a:rPr lang="fr-FR" smtClean="0"/>
               <a:pPr/>
-              <a:t>13/12/2011</a:t>
+              <a:t>09/10/2021</a:t>
             </a:fld>
             <a:endParaRPr lang="fr-BE"/>
           </a:p>
@@ -2726,7 +2723,7 @@
             <a:fld id="{CF4668DC-857F-487D-BFFA-8C0CA5037977}" type="slidenum">
               <a:rPr lang="fr-BE" smtClean="0"/>
               <a:pPr/>
-              <a:t>‹N°›</a:t>
+              <a:t>‹#›</a:t>
             </a:fld>
             <a:endParaRPr lang="fr-BE"/>
           </a:p>
@@ -2782,10 +2779,9 @@
           </a:lstStyle>
           <a:p>
             <a:r>
-              <a:rPr lang="fr-FR" smtClean="0"/>
+              <a:rPr lang="fr-FR"/>
               <a:t>Cliquez pour modifier le style du titre</a:t>
             </a:r>
-            <a:endParaRPr lang="fr-FR"/>
           </a:p>
         </p:txBody>
       </p:sp>
@@ -2909,7 +2905,7 @@
           <a:p>
             <a:pPr lvl="0"/>
             <a:r>
-              <a:rPr lang="fr-FR" smtClean="0"/>
+              <a:rPr lang="fr-FR"/>
               <a:t>Cliquez pour modifier les styles du texte du masque</a:t>
             </a:r>
           </a:p>
@@ -2933,7 +2929,7 @@
             <a:fld id="{AA309A6D-C09C-4548-B29A-6CF363A7E532}" type="datetimeFigureOut">
               <a:rPr lang="fr-FR" smtClean="0"/>
               <a:pPr/>
-              <a:t>13/12/2011</a:t>
+              <a:t>09/10/2021</a:t>
             </a:fld>
             <a:endParaRPr lang="fr-BE"/>
           </a:p>
@@ -2976,7 +2972,7 @@
             <a:fld id="{CF4668DC-857F-487D-BFFA-8C0CA5037977}" type="slidenum">
               <a:rPr lang="fr-BE" smtClean="0"/>
               <a:pPr/>
-              <a:t>‹N°›</a:t>
+              <a:t>‹#›</a:t>
             </a:fld>
             <a:endParaRPr lang="fr-BE"/>
           </a:p>
@@ -3038,10 +3034,9 @@
           <a:lstStyle/>
           <a:p>
             <a:r>
-              <a:rPr lang="fr-FR" smtClean="0"/>
+              <a:rPr lang="fr-FR"/>
               <a:t>Cliquez pour modifier le style du titre</a:t>
             </a:r>
-            <a:endParaRPr lang="fr-FR"/>
           </a:p>
         </p:txBody>
       </p:sp>
@@ -3072,38 +3067,37 @@
           <a:p>
             <a:pPr lvl="0"/>
             <a:r>
-              <a:rPr lang="fr-FR" smtClean="0"/>
+              <a:rPr lang="fr-FR"/>
               <a:t>Cliquez pour modifier les styles du texte du masque</a:t>
             </a:r>
           </a:p>
           <a:p>
             <a:pPr lvl="1"/>
             <a:r>
-              <a:rPr lang="fr-FR" smtClean="0"/>
+              <a:rPr lang="fr-FR"/>
               <a:t>Deuxième niveau</a:t>
             </a:r>
           </a:p>
           <a:p>
             <a:pPr lvl="2"/>
             <a:r>
-              <a:rPr lang="fr-FR" smtClean="0"/>
+              <a:rPr lang="fr-FR"/>
               <a:t>Troisième niveau</a:t>
             </a:r>
           </a:p>
           <a:p>
             <a:pPr lvl="3"/>
             <a:r>
-              <a:rPr lang="fr-FR" smtClean="0"/>
+              <a:rPr lang="fr-FR"/>
               <a:t>Quatrième niveau</a:t>
             </a:r>
           </a:p>
           <a:p>
             <a:pPr lvl="4"/>
             <a:r>
-              <a:rPr lang="fr-FR" smtClean="0"/>
+              <a:rPr lang="fr-FR"/>
               <a:t>Cinquième niveau</a:t>
             </a:r>
-            <a:endParaRPr lang="fr-FR"/>
           </a:p>
         </p:txBody>
       </p:sp>
@@ -3143,7 +3137,7 @@
             <a:fld id="{AA309A6D-C09C-4548-B29A-6CF363A7E532}" type="datetimeFigureOut">
               <a:rPr lang="fr-FR" smtClean="0"/>
               <a:pPr/>
-              <a:t>13/12/2011</a:t>
+              <a:t>09/10/2021</a:t>
             </a:fld>
             <a:endParaRPr lang="fr-BE"/>
           </a:p>
@@ -3222,7 +3216,7 @@
             <a:fld id="{CF4668DC-857F-487D-BFFA-8C0CA5037977}" type="slidenum">
               <a:rPr lang="fr-BE" smtClean="0"/>
               <a:pPr/>
-              <a:t>‹N°›</a:t>
+              <a:t>‹#›</a:t>
             </a:fld>
             <a:endParaRPr lang="fr-BE"/>
           </a:p>
@@ -3592,13 +3586,6 @@
   <p:clrMapOvr>
     <a:masterClrMapping/>
   </p:clrMapOvr>
-  <p:timing>
-    <p:tnLst>
-      <p:par>
-        <p:cTn id="1" dur="indefinite" restart="never" nodeType="tmRoot"/>
-      </p:par>
-    </p:tnLst>
-  </p:timing>
 </p:sld>
 </file>
 
@@ -3673,7 +3660,7 @@
               </a:spcAft>
             </a:pPr>
             <a:r>
-              <a:rPr lang="ar-SA" sz="4400" dirty="0" smtClean="0">
+              <a:rPr lang="ar-SA" sz="4400" dirty="0">
                 <a:solidFill>
                   <a:schemeClr val="bg1"/>
                 </a:solidFill>
@@ -3683,7 +3670,7 @@
               </a:rPr>
               <a:t>نموذج التوزيع الإلكتروني على الطبقات</a:t>
             </a:r>
-            <a:endParaRPr lang="fr-FR" sz="4400" dirty="0" smtClean="0">
+            <a:endParaRPr lang="fr-FR" sz="4400" dirty="0">
               <a:solidFill>
                 <a:schemeClr val="bg1"/>
               </a:solidFill>
@@ -3741,7 +3728,7 @@
               </a:spcAft>
             </a:pPr>
             <a:r>
-              <a:rPr kumimoji="0" lang="ar-DZ" sz="3200" b="1" i="0" u="none" strike="noStrike" cap="none" normalizeH="0" baseline="0" dirty="0" smtClean="0">
+              <a:rPr kumimoji="0" lang="ar-DZ" sz="3200" b="1" i="0" u="none" strike="noStrike" cap="none" normalizeH="0" baseline="0" dirty="0">
                 <a:ln>
                   <a:noFill/>
                 </a:ln>
@@ -3756,7 +3743,7 @@
               <a:t>من أجل 18 ≥ </a:t>
             </a:r>
             <a:r>
-              <a:rPr kumimoji="0" lang="en-US" sz="3200" b="1" i="0" u="none" strike="noStrike" cap="none" normalizeH="0" baseline="0" dirty="0" smtClean="0">
+              <a:rPr kumimoji="0" lang="en-US" sz="3200" b="1" i="0" u="none" strike="noStrike" cap="none" normalizeH="0" baseline="0" dirty="0">
                 <a:ln>
                   <a:noFill/>
                 </a:ln>
@@ -3771,7 +3758,7 @@
               <a:t>Z</a:t>
             </a:r>
             <a:r>
-              <a:rPr lang="ar-DZ" sz="3200" b="1" dirty="0" smtClean="0">
+              <a:rPr lang="ar-DZ" sz="3200" b="1" dirty="0">
                 <a:solidFill>
                   <a:srgbClr val="660066"/>
                 </a:solidFill>
@@ -3779,7 +3766,7 @@
               <a:t> ≥</a:t>
             </a:r>
             <a:r>
-              <a:rPr lang="fr-FR" sz="3200" b="1" dirty="0" smtClean="0">
+              <a:rPr lang="fr-FR" sz="3200" b="1" dirty="0">
                 <a:solidFill>
                   <a:srgbClr val="660066"/>
                 </a:solidFill>
@@ -3787,14 +3774,14 @@
               <a:t> </a:t>
             </a:r>
             <a:r>
-              <a:rPr lang="ar-DZ" sz="3200" b="1" dirty="0" smtClean="0">
+              <a:rPr lang="ar-DZ" sz="3200" b="1" dirty="0">
                 <a:solidFill>
                   <a:srgbClr val="660066"/>
                 </a:solidFill>
               </a:rPr>
               <a:t>1</a:t>
             </a:r>
-            <a:endParaRPr lang="fr-FR" sz="3200" b="1" dirty="0" smtClean="0">
+            <a:endParaRPr lang="fr-FR" sz="3200" b="1" dirty="0">
               <a:solidFill>
                 <a:srgbClr val="660066"/>
               </a:solidFill>
@@ -3817,7 +3804,7 @@
               <a:buNone/>
               <a:tabLst/>
             </a:pPr>
-            <a:endParaRPr kumimoji="0" lang="ar-DZ" sz="1800" b="0" i="0" u="none" strike="noStrike" cap="none" normalizeH="0" baseline="0" dirty="0" smtClean="0">
+            <a:endParaRPr kumimoji="0" lang="ar-DZ" sz="1800" b="0" i="0" u="none" strike="noStrike" cap="none" normalizeH="0" baseline="0" dirty="0">
               <a:ln>
                 <a:noFill/>
               </a:ln>
@@ -3850,10 +3837,34 @@
                 <a:tableStyleId>{C4B1156A-380E-4F78-BDF5-A606A8083BF9}</a:tableStyleId>
               </a:tblPr>
               <a:tblGrid>
-                <a:gridCol w="1886916"/>
-                <a:gridCol w="1859206"/>
-                <a:gridCol w="1746442"/>
-                <a:gridCol w="2597388"/>
+                <a:gridCol w="1886916">
+                  <a:extLst>
+                    <a:ext uri="{9D8B030D-6E8A-4147-A177-3AD203B41FA5}">
+                      <a16:colId xmlns:a16="http://schemas.microsoft.com/office/drawing/2014/main" val="20000"/>
+                    </a:ext>
+                  </a:extLst>
+                </a:gridCol>
+                <a:gridCol w="1859206">
+                  <a:extLst>
+                    <a:ext uri="{9D8B030D-6E8A-4147-A177-3AD203B41FA5}">
+                      <a16:colId xmlns:a16="http://schemas.microsoft.com/office/drawing/2014/main" val="20001"/>
+                    </a:ext>
+                  </a:extLst>
+                </a:gridCol>
+                <a:gridCol w="1746442">
+                  <a:extLst>
+                    <a:ext uri="{9D8B030D-6E8A-4147-A177-3AD203B41FA5}">
+                      <a16:colId xmlns:a16="http://schemas.microsoft.com/office/drawing/2014/main" val="20002"/>
+                    </a:ext>
+                  </a:extLst>
+                </a:gridCol>
+                <a:gridCol w="2597388">
+                  <a:extLst>
+                    <a:ext uri="{9D8B030D-6E8A-4147-A177-3AD203B41FA5}">
+                      <a16:colId xmlns:a16="http://schemas.microsoft.com/office/drawing/2014/main" val="20003"/>
+                    </a:ext>
+                  </a:extLst>
+                </a:gridCol>
               </a:tblGrid>
               <a:tr h="571504">
                 <a:tc>
@@ -3980,6 +3991,11 @@
                   </a:txBody>
                   <a:tcPr marL="68580" marR="68580" marT="0" marB="0" anchor="ctr"/>
                 </a:tc>
+                <a:extLst>
+                  <a:ext uri="{0D108BD9-81ED-4DB2-BD59-A6C34878D82A}">
+                    <a16:rowId xmlns:a16="http://schemas.microsoft.com/office/drawing/2014/main" val="10000"/>
+                  </a:ext>
+                </a:extLst>
               </a:tr>
               <a:tr h="714380">
                 <a:tc>
@@ -4038,7 +4054,7 @@
                         </a:spcAft>
                       </a:pPr>
                       <a:r>
-                        <a:rPr lang="fr-FR" sz="3200" b="1" dirty="0" smtClean="0">
+                        <a:rPr lang="fr-FR" sz="3200" b="1" dirty="0">
                           <a:solidFill>
                             <a:srgbClr val="CC0099"/>
                           </a:solidFill>
@@ -4046,7 +4062,7 @@
                         <a:t>2</a:t>
                       </a:r>
                       <a:r>
-                        <a:rPr lang="ar-SA" sz="3200" b="1" dirty="0" smtClean="0"/>
+                        <a:rPr lang="ar-SA" sz="3200" b="1" dirty="0"/>
                         <a:t> الكترونات </a:t>
                       </a:r>
                       <a:endParaRPr lang="fr-FR" sz="2800" b="1" dirty="0">
@@ -4068,11 +4084,11 @@
                         </a:spcAft>
                       </a:pPr>
                       <a:r>
-                        <a:rPr lang="ar-SA" sz="3200" b="1" dirty="0" smtClean="0"/>
+                        <a:rPr lang="ar-SA" sz="3200" b="1" dirty="0"/>
                         <a:t>الكترونات </a:t>
                       </a:r>
                       <a:r>
-                        <a:rPr lang="fr-FR" sz="3200" b="1" dirty="0" smtClean="0">
+                        <a:rPr lang="fr-FR" sz="3200" b="1" dirty="0">
                           <a:solidFill>
                             <a:srgbClr val="CC0099"/>
                           </a:solidFill>
@@ -4101,11 +4117,11 @@
                         </a:spcAft>
                       </a:pPr>
                       <a:r>
-                        <a:rPr lang="ar-SA" sz="3200" b="1" dirty="0" smtClean="0"/>
+                        <a:rPr lang="ar-SA" sz="3200" b="1" dirty="0"/>
                         <a:t>الكترونات </a:t>
                       </a:r>
                       <a:r>
-                        <a:rPr lang="fr-FR" sz="3200" b="1" dirty="0" smtClean="0">
+                        <a:rPr lang="fr-FR" sz="3200" b="1" dirty="0">
                           <a:solidFill>
                             <a:srgbClr val="CC0099"/>
                           </a:solidFill>
@@ -4123,6 +4139,11 @@
                   </a:txBody>
                   <a:tcPr marL="68580" marR="68580" marT="0" marB="0" anchor="ctr"/>
                 </a:tc>
+                <a:extLst>
+                  <a:ext uri="{0D108BD9-81ED-4DB2-BD59-A6C34878D82A}">
+                    <a16:rowId xmlns:a16="http://schemas.microsoft.com/office/drawing/2014/main" val="10001"/>
+                  </a:ext>
+                </a:extLst>
               </a:tr>
             </a:tbl>
           </a:graphicData>
@@ -4184,7 +4205,7 @@
               <a:tabLst/>
             </a:pPr>
             <a:r>
-              <a:rPr lang="ar-DZ" sz="4000" u="sng" dirty="0" smtClean="0">
+              <a:rPr lang="ar-DZ" sz="4000" u="sng" dirty="0">
                 <a:solidFill>
                   <a:srgbClr val="CC0099"/>
                 </a:solidFill>
@@ -4194,7 +4215,7 @@
               </a:rPr>
               <a:t>قواعد التوزيع :</a:t>
             </a:r>
-            <a:endParaRPr lang="fr-FR" sz="4000" u="sng" dirty="0" smtClean="0">
+            <a:endParaRPr lang="fr-FR" sz="4000" u="sng" dirty="0">
               <a:solidFill>
                 <a:srgbClr val="CC0099"/>
               </a:solidFill>
@@ -4221,7 +4242,7 @@
               <a:tabLst/>
             </a:pPr>
             <a:r>
-              <a:rPr kumimoji="0" lang="ar-DZ" sz="2800" b="0" i="0" u="none" strike="noStrike" cap="none" normalizeH="0" baseline="0" dirty="0" smtClean="0">
+              <a:rPr kumimoji="0" lang="ar-DZ" sz="2800" b="0" i="0" u="none" strike="noStrike" cap="none" normalizeH="0" baseline="0" dirty="0">
                 <a:ln>
                   <a:noFill/>
                 </a:ln>
@@ -4236,7 +4257,7 @@
               <a:t>1- تملأ الطبقة </a:t>
             </a:r>
             <a:r>
-              <a:rPr kumimoji="0" lang="fr-FR" sz="2800" b="0" i="0" u="none" strike="noStrike" cap="none" normalizeH="0" baseline="0" dirty="0" smtClean="0">
+              <a:rPr kumimoji="0" lang="fr-FR" sz="2800" b="0" i="0" u="none" strike="noStrike" cap="none" normalizeH="0" baseline="0" dirty="0">
                 <a:ln>
                   <a:noFill/>
                 </a:ln>
@@ -4251,7 +4272,7 @@
               <a:t>K</a:t>
             </a:r>
             <a:r>
-              <a:rPr kumimoji="0" lang="ar-DZ" sz="2800" b="0" i="0" u="none" strike="noStrike" cap="none" normalizeH="0" baseline="0" dirty="0" smtClean="0">
+              <a:rPr kumimoji="0" lang="ar-DZ" sz="2800" b="0" i="0" u="none" strike="noStrike" cap="none" normalizeH="0" baseline="0" dirty="0">
                 <a:ln>
                   <a:noFill/>
                 </a:ln>
@@ -4265,7 +4286,7 @@
               </a:rPr>
               <a:t>.</a:t>
             </a:r>
-            <a:endParaRPr kumimoji="0" lang="fr-FR" sz="2800" b="0" i="0" u="none" strike="noStrike" cap="none" normalizeH="0" baseline="0" dirty="0" smtClean="0">
+            <a:endParaRPr kumimoji="0" lang="fr-FR" sz="2800" b="0" i="0" u="none" strike="noStrike" cap="none" normalizeH="0" baseline="0" dirty="0">
               <a:ln>
                 <a:noFill/>
               </a:ln>
@@ -4295,7 +4316,7 @@
               <a:tabLst/>
             </a:pPr>
             <a:r>
-              <a:rPr kumimoji="0" lang="ar-DZ" sz="2800" b="0" i="0" u="none" strike="noStrike" cap="none" normalizeH="0" baseline="0" dirty="0" smtClean="0">
+              <a:rPr kumimoji="0" lang="ar-DZ" sz="2800" b="0" i="0" u="none" strike="noStrike" cap="none" normalizeH="0" baseline="0" dirty="0">
                 <a:ln>
                   <a:noFill/>
                 </a:ln>
@@ -4310,7 +4331,7 @@
               <a:t>2- عندما تتشبع الطبقة </a:t>
             </a:r>
             <a:r>
-              <a:rPr kumimoji="0" lang="fr-FR" sz="2800" b="0" i="0" u="none" strike="noStrike" cap="none" normalizeH="0" baseline="0" dirty="0" smtClean="0">
+              <a:rPr kumimoji="0" lang="fr-FR" sz="2800" b="0" i="0" u="none" strike="noStrike" cap="none" normalizeH="0" baseline="0" dirty="0">
                 <a:ln>
                   <a:noFill/>
                 </a:ln>
@@ -4325,7 +4346,7 @@
               <a:t>K</a:t>
             </a:r>
             <a:r>
-              <a:rPr kumimoji="0" lang="ar-DZ" sz="2800" b="0" i="0" u="none" strike="noStrike" cap="none" normalizeH="0" baseline="0" dirty="0" smtClean="0">
+              <a:rPr kumimoji="0" lang="ar-DZ" sz="2800" b="0" i="0" u="none" strike="noStrike" cap="none" normalizeH="0" baseline="0" dirty="0">
                 <a:ln>
                   <a:noFill/>
                 </a:ln>
@@ -4340,7 +4361,7 @@
               <a:t> ، نقوم بملأ الطبقة </a:t>
             </a:r>
             <a:r>
-              <a:rPr kumimoji="0" lang="fr-FR" sz="2800" b="0" i="0" u="none" strike="noStrike" cap="none" normalizeH="0" baseline="0" dirty="0" smtClean="0">
+              <a:rPr kumimoji="0" lang="fr-FR" sz="2800" b="0" i="0" u="none" strike="noStrike" cap="none" normalizeH="0" baseline="0" dirty="0">
                 <a:ln>
                   <a:noFill/>
                 </a:ln>
@@ -4355,7 +4376,7 @@
               <a:t>L</a:t>
             </a:r>
             <a:r>
-              <a:rPr kumimoji="0" lang="fr-FR" sz="2800" b="0" i="0" u="none" strike="noStrike" cap="none" normalizeH="0" baseline="0" dirty="0" smtClean="0">
+              <a:rPr kumimoji="0" lang="fr-FR" sz="2800" b="0" i="0" u="none" strike="noStrike" cap="none" normalizeH="0" baseline="0" dirty="0">
                 <a:ln>
                   <a:noFill/>
                 </a:ln>
@@ -4370,7 +4391,7 @@
               <a:t> </a:t>
             </a:r>
             <a:r>
-              <a:rPr kumimoji="0" lang="ar-DZ" sz="2800" b="0" i="0" u="none" strike="noStrike" cap="none" normalizeH="0" baseline="0" dirty="0" smtClean="0">
+              <a:rPr kumimoji="0" lang="ar-DZ" sz="2800" b="0" i="0" u="none" strike="noStrike" cap="none" normalizeH="0" baseline="0" dirty="0">
                 <a:ln>
                   <a:noFill/>
                 </a:ln>
@@ -4384,7 +4405,7 @@
               </a:rPr>
               <a:t> .</a:t>
             </a:r>
-            <a:endParaRPr kumimoji="0" lang="fr-FR" sz="2800" b="0" i="0" u="none" strike="noStrike" cap="none" normalizeH="0" baseline="0" dirty="0" smtClean="0">
+            <a:endParaRPr kumimoji="0" lang="fr-FR" sz="2800" b="0" i="0" u="none" strike="noStrike" cap="none" normalizeH="0" baseline="0" dirty="0">
               <a:ln>
                 <a:noFill/>
               </a:ln>
@@ -4414,7 +4435,7 @@
               <a:tabLst/>
             </a:pPr>
             <a:r>
-              <a:rPr kumimoji="0" lang="ar-DZ" sz="2800" b="0" i="0" u="none" strike="noStrike" cap="none" normalizeH="0" baseline="0" dirty="0" smtClean="0">
+              <a:rPr kumimoji="0" lang="ar-DZ" sz="2800" b="0" i="0" u="none" strike="noStrike" cap="none" normalizeH="0" baseline="0" dirty="0">
                 <a:ln>
                   <a:noFill/>
                 </a:ln>
@@ -4429,7 +4450,7 @@
               <a:t>3- عندما تتشبع الطبقة </a:t>
             </a:r>
             <a:r>
-              <a:rPr kumimoji="0" lang="fr-FR" sz="2800" b="0" i="0" u="none" strike="noStrike" cap="none" normalizeH="0" baseline="0" dirty="0" smtClean="0">
+              <a:rPr kumimoji="0" lang="fr-FR" sz="2800" b="0" i="0" u="none" strike="noStrike" cap="none" normalizeH="0" baseline="0" dirty="0">
                 <a:ln>
                   <a:noFill/>
                 </a:ln>
@@ -4444,7 +4465,7 @@
               <a:t>L</a:t>
             </a:r>
             <a:r>
-              <a:rPr kumimoji="0" lang="ar-DZ" sz="2800" b="0" i="0" u="none" strike="noStrike" cap="none" normalizeH="0" baseline="0" dirty="0" smtClean="0">
+              <a:rPr kumimoji="0" lang="ar-DZ" sz="2800" b="0" i="0" u="none" strike="noStrike" cap="none" normalizeH="0" baseline="0" dirty="0">
                 <a:ln>
                   <a:noFill/>
                 </a:ln>
@@ -4459,7 +4480,7 @@
               <a:t> ، نقوم بملأ الطبقة </a:t>
             </a:r>
             <a:r>
-              <a:rPr kumimoji="0" lang="fr-FR" sz="2800" b="0" i="0" u="none" strike="noStrike" cap="none" normalizeH="0" baseline="0" dirty="0" smtClean="0">
+              <a:rPr kumimoji="0" lang="fr-FR" sz="2800" b="0" i="0" u="none" strike="noStrike" cap="none" normalizeH="0" baseline="0" dirty="0">
                 <a:ln>
                   <a:noFill/>
                 </a:ln>
@@ -4474,7 +4495,7 @@
               <a:t>M</a:t>
             </a:r>
             <a:r>
-              <a:rPr kumimoji="0" lang="fr-FR" sz="2800" b="0" i="0" u="none" strike="noStrike" cap="none" normalizeH="0" baseline="0" dirty="0" smtClean="0">
+              <a:rPr kumimoji="0" lang="fr-FR" sz="2800" b="0" i="0" u="none" strike="noStrike" cap="none" normalizeH="0" baseline="0" dirty="0">
                 <a:ln>
                   <a:noFill/>
                 </a:ln>
@@ -4489,7 +4510,7 @@
               <a:t> </a:t>
             </a:r>
             <a:r>
-              <a:rPr kumimoji="0" lang="ar-DZ" sz="2800" b="0" i="0" u="none" strike="noStrike" cap="none" normalizeH="0" baseline="0" dirty="0" smtClean="0">
+              <a:rPr kumimoji="0" lang="ar-DZ" sz="2800" b="0" i="0" u="none" strike="noStrike" cap="none" normalizeH="0" baseline="0" dirty="0">
                 <a:ln>
                   <a:noFill/>
                 </a:ln>
@@ -4503,7 +4524,7 @@
               </a:rPr>
               <a:t> .</a:t>
             </a:r>
-            <a:endParaRPr kumimoji="0" lang="ar-DZ" sz="2800" b="0" i="0" u="none" strike="noStrike" cap="none" normalizeH="0" baseline="0" dirty="0" smtClean="0">
+            <a:endParaRPr kumimoji="0" lang="ar-DZ" sz="2800" b="0" i="0" u="none" strike="noStrike" cap="none" normalizeH="0" baseline="0" dirty="0">
               <a:ln>
                 <a:noFill/>
               </a:ln>
@@ -4586,7 +4607,7 @@
           <a:p>
             <a:pPr algn="ctr"/>
             <a:r>
-              <a:rPr lang="ar-SA" sz="2000" b="1" dirty="0" smtClean="0"/>
+              <a:rPr lang="ar-SA" sz="2000" b="1" dirty="0"/>
               <a:t>09</a:t>
             </a:r>
             <a:endParaRPr lang="fr-FR" sz="2000" b="1" dirty="0"/>
@@ -5006,7 +5027,7 @@
             </p:nvSpPr>
             <p:spPr bwMode="auto">
               <a:xfrm>
-                <a:off x="2736" y="2928"/>
+                <a:off x="3435" y="2255"/>
                 <a:ext cx="96" cy="96"/>
               </a:xfrm>
               <a:prstGeom prst="ellipse">
@@ -5785,7 +5806,7 @@
               </a:spcAft>
             </a:pPr>
             <a:r>
-              <a:rPr lang="ar-SA" sz="4400" dirty="0" smtClean="0">
+              <a:rPr lang="ar-SA" sz="4400" dirty="0">
                 <a:solidFill>
                   <a:schemeClr val="bg1"/>
                 </a:solidFill>
@@ -5795,7 +5816,7 @@
               </a:rPr>
               <a:t>نمذجة التوزيع الالكتروني </a:t>
             </a:r>
-            <a:endParaRPr lang="fr-FR" sz="4400" dirty="0" smtClean="0">
+            <a:endParaRPr lang="fr-FR" sz="4400" dirty="0">
               <a:solidFill>
                 <a:schemeClr val="bg1"/>
               </a:solidFill>
@@ -5858,9 +5879,59 @@
         </p:xfrm>
         <a:graphic>
           <a:graphicData uri="http://schemas.openxmlformats.org/presentationml/2006/ole">
-            <p:oleObj spid="_x0000_s4097" name="Equation" r:id="rId3" imgW="330057" imgH="241195" progId="Equation.DSMT4">
-              <p:embed/>
-            </p:oleObj>
+            <mc:AlternateContent xmlns:mc="http://schemas.openxmlformats.org/markup-compatibility/2006">
+              <mc:Choice xmlns:v="urn:schemas-microsoft-com:vml" Requires="v">
+                <p:oleObj spid="_x0000_s4097" name="Equation" r:id="rId2" imgW="330057" imgH="241195" progId="Equation.DSMT4">
+                  <p:embed/>
+                </p:oleObj>
+              </mc:Choice>
+              <mc:Fallback>
+                <p:oleObj name="Equation" r:id="rId2" imgW="330057" imgH="241195" progId="Equation.DSMT4">
+                  <p:embed/>
+                  <p:pic>
+                    <p:nvPicPr>
+                      <p:cNvPr id="0" name="Picture 1"/>
+                      <p:cNvPicPr>
+                        <a:picLocks noChangeAspect="1" noChangeArrowheads="1"/>
+                      </p:cNvPicPr>
+                      <p:nvPr/>
+                    </p:nvPicPr>
+                    <p:blipFill>
+                      <a:blip r:embed="rId3">
+                        <a:extLst>
+                          <a:ext uri="{28A0092B-C50C-407E-A947-70E740481C1C}">
+                            <a14:useLocalDpi xmlns:a14="http://schemas.microsoft.com/office/drawing/2010/main" val="0"/>
+                          </a:ext>
+                        </a:extLst>
+                      </a:blip>
+                      <a:srcRect/>
+                      <a:stretch>
+                        <a:fillRect/>
+                      </a:stretch>
+                    </p:blipFill>
+                    <p:spPr bwMode="auto">
+                      <a:xfrm>
+                        <a:off x="3929058" y="1571612"/>
+                        <a:ext cx="2009196" cy="1428760"/>
+                      </a:xfrm>
+                      <a:prstGeom prst="rect">
+                        <a:avLst/>
+                      </a:prstGeom>
+                      <a:noFill/>
+                      <a:extLst>
+                        <a:ext uri="{909E8E84-426E-40DD-AFC4-6F175D3DCCD1}">
+                          <a14:hiddenFill xmlns:a14="http://schemas.microsoft.com/office/drawing/2010/main">
+                            <a:solidFill>
+                              <a:srgbClr val="FFFFFF"/>
+                            </a:solidFill>
+                          </a14:hiddenFill>
+                        </a:ext>
+                      </a:extLst>
+                    </p:spPr>
+                  </p:pic>
+                </p:oleObj>
+              </mc:Fallback>
+            </mc:AlternateContent>
           </a:graphicData>
         </a:graphic>
       </p:graphicFrame>
@@ -5916,9 +5987,59 @@
         </p:xfrm>
         <a:graphic>
           <a:graphicData uri="http://schemas.openxmlformats.org/presentationml/2006/ole">
-            <p:oleObj spid="_x0000_s4104" name="Equation" r:id="rId4" imgW="977760" imgH="279360" progId="Equation.DSMT4">
-              <p:embed/>
-            </p:oleObj>
+            <mc:AlternateContent xmlns:mc="http://schemas.openxmlformats.org/markup-compatibility/2006">
+              <mc:Choice xmlns:v="urn:schemas-microsoft-com:vml" Requires="v">
+                <p:oleObj spid="_x0000_s4104" name="Equation" r:id="rId4" imgW="977760" imgH="279360" progId="Equation.DSMT4">
+                  <p:embed/>
+                </p:oleObj>
+              </mc:Choice>
+              <mc:Fallback>
+                <p:oleObj name="Equation" r:id="rId4" imgW="977760" imgH="279360" progId="Equation.DSMT4">
+                  <p:embed/>
+                  <p:pic>
+                    <p:nvPicPr>
+                      <p:cNvPr id="0" name="Picture 8"/>
+                      <p:cNvPicPr>
+                        <a:picLocks noChangeAspect="1" noChangeArrowheads="1"/>
+                      </p:cNvPicPr>
+                      <p:nvPr/>
+                    </p:nvPicPr>
+                    <p:blipFill>
+                      <a:blip r:embed="rId5">
+                        <a:extLst>
+                          <a:ext uri="{28A0092B-C50C-407E-A947-70E740481C1C}">
+                            <a14:useLocalDpi xmlns:a14="http://schemas.microsoft.com/office/drawing/2010/main" val="0"/>
+                          </a:ext>
+                        </a:extLst>
+                      </a:blip>
+                      <a:srcRect/>
+                      <a:stretch>
+                        <a:fillRect/>
+                      </a:stretch>
+                    </p:blipFill>
+                    <p:spPr bwMode="auto">
+                      <a:xfrm>
+                        <a:off x="5143504" y="4000504"/>
+                        <a:ext cx="3000396" cy="844772"/>
+                      </a:xfrm>
+                      <a:prstGeom prst="rect">
+                        <a:avLst/>
+                      </a:prstGeom>
+                      <a:noFill/>
+                      <a:extLst>
+                        <a:ext uri="{909E8E84-426E-40DD-AFC4-6F175D3DCCD1}">
+                          <a14:hiddenFill xmlns:a14="http://schemas.microsoft.com/office/drawing/2010/main">
+                            <a:solidFill>
+                              <a:srgbClr val="FFFFFF"/>
+                            </a:solidFill>
+                          </a14:hiddenFill>
+                        </a:ext>
+                      </a:extLst>
+                    </p:spPr>
+                  </p:pic>
+                </p:oleObj>
+              </mc:Fallback>
+            </mc:AlternateContent>
           </a:graphicData>
         </a:graphic>
       </p:graphicFrame>
@@ -5945,7 +6066,7 @@
           <a:lstStyle/>
           <a:p>
             <a:r>
-              <a:rPr lang="fr-FR" sz="3200" b="1" dirty="0" smtClean="0">
+              <a:rPr lang="fr-FR" sz="3200" b="1" dirty="0">
                 <a:solidFill>
                   <a:srgbClr val="CC0099"/>
                 </a:solidFill>
@@ -5953,15 +6074,15 @@
               <a:t>Z=18</a:t>
             </a:r>
             <a:r>
-              <a:rPr lang="ar-SA" sz="3200" b="1" dirty="0" smtClean="0"/>
+              <a:rPr lang="ar-SA" sz="3200" b="1" dirty="0"/>
               <a:t> </a:t>
             </a:r>
             <a:r>
-              <a:rPr lang="ar-SA" sz="3200" b="1" dirty="0" err="1" smtClean="0"/>
+              <a:rPr lang="ar-SA" sz="3200" b="1" dirty="0" err="1"/>
               <a:t>الكترون</a:t>
             </a:r>
             <a:r>
-              <a:rPr lang="ar-SA" sz="3200" b="1" dirty="0" smtClean="0"/>
+              <a:rPr lang="ar-SA" sz="3200" b="1" dirty="0"/>
               <a:t>  </a:t>
             </a:r>
             <a:endParaRPr lang="fr-FR" sz="3200" b="1" dirty="0"/>
@@ -5991,19 +6112,19 @@
           <a:lstStyle/>
           <a:p>
             <a:r>
-              <a:rPr lang="ar-SA" sz="3200" b="1" dirty="0" smtClean="0"/>
+              <a:rPr lang="ar-SA" sz="3200" b="1" dirty="0"/>
               <a:t>مداره </a:t>
             </a:r>
             <a:r>
-              <a:rPr lang="ar-SA" sz="3200" b="1" dirty="0" err="1" smtClean="0"/>
+              <a:rPr lang="ar-SA" sz="3200" b="1" dirty="0" err="1"/>
               <a:t>الاخير</a:t>
             </a:r>
             <a:r>
-              <a:rPr lang="ar-SA" sz="3200" b="1" dirty="0" smtClean="0"/>
+              <a:rPr lang="ar-SA" sz="3200" b="1" dirty="0"/>
               <a:t> </a:t>
             </a:r>
             <a:r>
-              <a:rPr lang="ar-SA" sz="3200" b="1" dirty="0" smtClean="0">
+              <a:rPr lang="ar-SA" sz="3200" b="1" dirty="0">
                 <a:solidFill>
                   <a:srgbClr val="CC0099"/>
                 </a:solidFill>
@@ -6011,7 +6132,7 @@
               <a:t>مشبع</a:t>
             </a:r>
             <a:r>
-              <a:rPr lang="ar-SA" sz="3200" b="1" dirty="0" smtClean="0"/>
+              <a:rPr lang="ar-SA" sz="3200" b="1" dirty="0"/>
               <a:t> </a:t>
             </a:r>
             <a:endParaRPr lang="fr-FR" sz="3200" b="1" dirty="0"/>
@@ -6061,7 +6182,7 @@
           <a:p>
             <a:pPr algn="ctr"/>
             <a:r>
-              <a:rPr lang="ar-SA" sz="2000" b="1" dirty="0" smtClean="0"/>
+              <a:rPr lang="ar-SA" sz="2000" b="1" dirty="0"/>
               <a:t>10</a:t>
             </a:r>
             <a:endParaRPr lang="fr-FR" sz="2000" b="1" dirty="0"/>
@@ -6432,7 +6553,7 @@
               <a:tabLst/>
             </a:pPr>
             <a:r>
-              <a:rPr kumimoji="0" lang="ar-DZ" sz="2800" b="1" i="0" u="none" strike="noStrike" cap="none" normalizeH="0" baseline="0" dirty="0" smtClean="0">
+              <a:rPr kumimoji="0" lang="ar-DZ" sz="2800" b="1" i="0" u="none" strike="noStrike" cap="none" normalizeH="0" baseline="0" dirty="0">
                 <a:ln>
                   <a:noFill/>
                 </a:ln>
@@ -6446,7 +6567,7 @@
               </a:rPr>
               <a:t>نقول عن طبقة إلكترونية أنها مشبعة إذا احتوت على عددها الأقصى من الإلكترونات .</a:t>
             </a:r>
-            <a:endParaRPr kumimoji="0" lang="fr-FR" sz="2800" b="1" i="0" u="none" strike="noStrike" cap="none" normalizeH="0" baseline="0" dirty="0" smtClean="0">
+            <a:endParaRPr kumimoji="0" lang="fr-FR" sz="2800" b="1" i="0" u="none" strike="noStrike" cap="none" normalizeH="0" baseline="0" dirty="0">
               <a:ln>
                 <a:noFill/>
               </a:ln>
@@ -6475,7 +6596,7 @@
               <a:buNone/>
               <a:tabLst/>
             </a:pPr>
-            <a:endParaRPr kumimoji="0" lang="ar-DZ" sz="1800" b="0" i="0" u="none" strike="noStrike" cap="none" normalizeH="0" baseline="0" dirty="0" smtClean="0">
+            <a:endParaRPr kumimoji="0" lang="ar-DZ" sz="1800" b="0" i="0" u="none" strike="noStrike" cap="none" normalizeH="0" baseline="0" dirty="0">
               <a:ln>
                 <a:noFill/>
               </a:ln>
@@ -6517,7 +6638,7 @@
           <a:p>
             <a:pPr algn="r"/>
             <a:r>
-              <a:rPr lang="ar-DZ" sz="2800" b="1" dirty="0" smtClean="0">
+              <a:rPr lang="ar-DZ" sz="2800" b="1" dirty="0">
                 <a:solidFill>
                   <a:prstClr val="black"/>
                 </a:solidFill>
@@ -6528,7 +6649,7 @@
               <a:t>نسمي الطبقة الإلكترونية الأخيرة بالطبقة الخارجية </a:t>
             </a:r>
             <a:r>
-              <a:rPr lang="ar-DZ" sz="2800" b="1" dirty="0" err="1" smtClean="0">
+              <a:rPr lang="ar-DZ" sz="2800" b="1" dirty="0" err="1">
                 <a:solidFill>
                   <a:prstClr val="black"/>
                 </a:solidFill>
@@ -6539,7 +6660,7 @@
               <a:t>و</a:t>
             </a:r>
             <a:r>
-              <a:rPr lang="ar-DZ" sz="2800" b="1" dirty="0" smtClean="0">
+              <a:rPr lang="ar-DZ" sz="2800" b="1" dirty="0">
                 <a:solidFill>
                   <a:prstClr val="black"/>
                 </a:solidFill>
@@ -6607,7 +6728,7 @@
               </a:spcAft>
             </a:pPr>
             <a:r>
-              <a:rPr lang="ar-SA" sz="6000" dirty="0" smtClean="0">
+              <a:rPr lang="ar-SA" sz="6000" dirty="0">
                 <a:solidFill>
                   <a:schemeClr val="bg1"/>
                 </a:solidFill>
@@ -6617,7 +6738,7 @@
               </a:rPr>
               <a:t>ملاحظات</a:t>
             </a:r>
-            <a:endParaRPr lang="fr-FR" sz="6000" dirty="0" smtClean="0">
+            <a:endParaRPr lang="fr-FR" sz="6000" dirty="0">
               <a:solidFill>
                 <a:schemeClr val="bg1"/>
               </a:solidFill>
@@ -6656,7 +6777,7 @@
           <a:p>
             <a:pPr algn="r"/>
             <a:r>
-              <a:rPr lang="ar-DZ" sz="2800" b="1" dirty="0" smtClean="0">
+              <a:rPr lang="ar-DZ" sz="2800" b="1" dirty="0">
                 <a:latin typeface="ae_AlHor" charset="0"/>
                 <a:ea typeface="Times New Roman" pitchFamily="18" charset="0"/>
                 <a:cs typeface="Arial" pitchFamily="34" charset="0"/>
@@ -7142,7 +7263,7 @@
           <a:p>
             <a:pPr algn="ctr"/>
             <a:r>
-              <a:rPr lang="ar-SA" sz="2000" b="1" dirty="0" smtClean="0"/>
+              <a:rPr lang="ar-SA" sz="2000" b="1" dirty="0"/>
               <a:t>11</a:t>
             </a:r>
             <a:endParaRPr lang="fr-FR" sz="2000" b="1" dirty="0"/>
@@ -7460,7 +7581,7 @@
               </a:spcAft>
             </a:pPr>
             <a:r>
-              <a:rPr lang="ar-SA" sz="8800" dirty="0" smtClean="0">
+              <a:rPr lang="ar-SA" sz="8800" dirty="0">
                 <a:solidFill>
                   <a:schemeClr val="bg1"/>
                 </a:solidFill>
@@ -7470,7 +7591,7 @@
               </a:rPr>
               <a:t>إلى التقويم...</a:t>
             </a:r>
-            <a:endParaRPr lang="fr-FR" sz="8800" dirty="0" smtClean="0">
+            <a:endParaRPr lang="fr-FR" sz="8800" dirty="0">
               <a:solidFill>
                 <a:schemeClr val="bg1"/>
               </a:solidFill>
@@ -7576,7 +7697,7 @@
           <a:p>
             <a:pPr algn="r"/>
             <a:r>
-              <a:rPr lang="ar-SA" sz="2800" b="1" dirty="0" smtClean="0">
+              <a:rPr lang="ar-SA" sz="2800" b="1" dirty="0">
                 <a:solidFill>
                   <a:prstClr val="black"/>
                 </a:solidFill>
@@ -7595,13 +7716,6 @@
   <p:clrMapOvr>
     <a:masterClrMapping/>
   </p:clrMapOvr>
-  <p:timing>
-    <p:tnLst>
-      <p:par>
-        <p:cTn id="1" dur="indefinite" restart="never" nodeType="tmRoot"/>
-      </p:par>
-    </p:tnLst>
-  </p:timing>
 </p:sld>
 </file>
 
@@ -7654,22 +7768,22 @@
               </a:lnSpc>
             </a:pPr>
             <a:r>
-              <a:rPr lang="ar-DZ" sz="3200" b="1" dirty="0" smtClean="0"/>
+              <a:rPr lang="ar-DZ" sz="3200" b="1" dirty="0"/>
               <a:t>أعط التوزيع الإلكتروني </a:t>
             </a:r>
             <a:r>
-              <a:rPr lang="ar-DZ" sz="3200" b="1" dirty="0" err="1" smtClean="0"/>
+              <a:rPr lang="ar-DZ" sz="3200" b="1" dirty="0" err="1"/>
               <a:t>للشوارد</a:t>
             </a:r>
             <a:r>
-              <a:rPr lang="ar-DZ" sz="3200" b="1" dirty="0" smtClean="0"/>
+              <a:rPr lang="ar-DZ" sz="3200" b="1" dirty="0"/>
               <a:t> الآتية :</a:t>
             </a:r>
             <a:r>
-              <a:rPr lang="fr-FR" sz="3200" b="1" dirty="0" smtClean="0"/>
+              <a:rPr lang="fr-FR" sz="3200" b="1" dirty="0"/>
               <a:t> </a:t>
             </a:r>
-            <a:endParaRPr lang="ar-SA" sz="3200" b="1" dirty="0" smtClean="0"/>
+            <a:endParaRPr lang="ar-SA" sz="3200" b="1" dirty="0"/>
           </a:p>
           <a:p>
             <a:pPr algn="r">
@@ -7678,7 +7792,7 @@
               </a:lnSpc>
             </a:pPr>
             <a:r>
-              <a:rPr lang="fr-FR" sz="3600" b="1" dirty="0" smtClean="0">
+              <a:rPr lang="fr-FR" sz="3600" b="1" dirty="0">
                 <a:solidFill>
                   <a:srgbClr val="CC0099"/>
                 </a:solidFill>
@@ -7686,7 +7800,7 @@
               <a:t>Na</a:t>
             </a:r>
             <a:r>
-              <a:rPr lang="fr-FR" sz="3600" b="1" baseline="30000" dirty="0" smtClean="0">
+              <a:rPr lang="fr-FR" sz="3600" b="1" baseline="30000" dirty="0">
                 <a:solidFill>
                   <a:srgbClr val="CC0099"/>
                 </a:solidFill>
@@ -7694,7 +7808,7 @@
               <a:t>+</a:t>
             </a:r>
             <a:r>
-              <a:rPr lang="ar-DZ" sz="3600" b="1" dirty="0" smtClean="0">
+              <a:rPr lang="ar-DZ" sz="3600" b="1" dirty="0">
                 <a:solidFill>
                   <a:srgbClr val="CC0099"/>
                 </a:solidFill>
@@ -7702,7 +7816,7 @@
               <a:t>، </a:t>
             </a:r>
             <a:r>
-              <a:rPr lang="fr-FR" sz="3600" b="1" dirty="0" smtClean="0">
+              <a:rPr lang="fr-FR" sz="3600" b="1" dirty="0">
                 <a:solidFill>
                   <a:srgbClr val="CC0099"/>
                 </a:solidFill>
@@ -7710,7 +7824,7 @@
               <a:t>K</a:t>
             </a:r>
             <a:r>
-              <a:rPr lang="fr-FR" sz="3600" b="1" baseline="30000" dirty="0" smtClean="0">
+              <a:rPr lang="fr-FR" sz="3600" b="1" baseline="30000" dirty="0">
                 <a:solidFill>
                   <a:srgbClr val="CC0099"/>
                 </a:solidFill>
@@ -7718,7 +7832,7 @@
               <a:t>+</a:t>
             </a:r>
             <a:r>
-              <a:rPr lang="fr-FR" sz="3600" b="1" dirty="0" smtClean="0">
+              <a:rPr lang="fr-FR" sz="3600" b="1" dirty="0">
                 <a:solidFill>
                   <a:srgbClr val="CC0099"/>
                 </a:solidFill>
@@ -7726,7 +7840,7 @@
               <a:t>  </a:t>
             </a:r>
             <a:r>
-              <a:rPr lang="ar-DZ" sz="3600" b="1" dirty="0" smtClean="0">
+              <a:rPr lang="ar-DZ" sz="3600" b="1" dirty="0">
                 <a:solidFill>
                   <a:srgbClr val="CC0099"/>
                 </a:solidFill>
@@ -7734,7 +7848,7 @@
               <a:t>، </a:t>
             </a:r>
             <a:r>
-              <a:rPr lang="fr-FR" sz="3600" b="1" dirty="0" smtClean="0">
+              <a:rPr lang="fr-FR" sz="3600" b="1" dirty="0">
                 <a:solidFill>
                   <a:srgbClr val="CC0099"/>
                 </a:solidFill>
@@ -7742,7 +7856,7 @@
               <a:t>O</a:t>
             </a:r>
             <a:r>
-              <a:rPr lang="fr-FR" sz="3600" b="1" baseline="30000" dirty="0" smtClean="0">
+              <a:rPr lang="fr-FR" sz="3600" b="1" baseline="30000" dirty="0">
                 <a:solidFill>
                   <a:srgbClr val="CC0099"/>
                 </a:solidFill>
@@ -7750,7 +7864,7 @@
               <a:t>2-</a:t>
             </a:r>
             <a:r>
-              <a:rPr lang="ar-DZ" sz="3600" b="1" dirty="0" smtClean="0">
+              <a:rPr lang="ar-DZ" sz="3600" b="1" dirty="0">
                 <a:solidFill>
                   <a:srgbClr val="CC0099"/>
                 </a:solidFill>
@@ -7758,7 +7872,7 @@
               <a:t> ،</a:t>
             </a:r>
             <a:r>
-              <a:rPr lang="fr-FR" sz="3600" b="1" dirty="0" smtClean="0">
+              <a:rPr lang="fr-FR" sz="3600" b="1" dirty="0">
                 <a:solidFill>
                   <a:srgbClr val="CC0099"/>
                 </a:solidFill>
@@ -7766,7 +7880,7 @@
               <a:t>S</a:t>
             </a:r>
             <a:r>
-              <a:rPr lang="fr-FR" sz="3600" b="1" baseline="30000" dirty="0" smtClean="0">
+              <a:rPr lang="fr-FR" sz="3600" b="1" baseline="30000" dirty="0">
                 <a:solidFill>
                   <a:srgbClr val="CC0099"/>
                 </a:solidFill>
@@ -7774,7 +7888,7 @@
               <a:t>2-</a:t>
             </a:r>
             <a:r>
-              <a:rPr lang="ar-DZ" sz="3600" b="1" dirty="0" smtClean="0">
+              <a:rPr lang="ar-DZ" sz="3600" b="1" dirty="0">
                 <a:solidFill>
                   <a:srgbClr val="CC0099"/>
                 </a:solidFill>
@@ -7782,7 +7896,7 @@
               <a:t> ،</a:t>
             </a:r>
             <a:r>
-              <a:rPr lang="fr-FR" sz="3600" b="1" dirty="0" smtClean="0">
+              <a:rPr lang="fr-FR" sz="3600" b="1" dirty="0">
                 <a:solidFill>
                   <a:srgbClr val="CC0099"/>
                 </a:solidFill>
@@ -7790,7 +7904,7 @@
               <a:t>F</a:t>
             </a:r>
             <a:r>
-              <a:rPr lang="fr-FR" sz="3600" b="1" baseline="30000" dirty="0" smtClean="0">
+              <a:rPr lang="fr-FR" sz="3600" b="1" baseline="30000" dirty="0">
                 <a:solidFill>
                   <a:srgbClr val="CC0099"/>
                 </a:solidFill>
@@ -7798,7 +7912,7 @@
               <a:t>-</a:t>
             </a:r>
             <a:r>
-              <a:rPr lang="ar-DZ" sz="3600" b="1" dirty="0" smtClean="0">
+              <a:rPr lang="ar-DZ" sz="3600" b="1" dirty="0">
                 <a:solidFill>
                   <a:srgbClr val="CC0099"/>
                 </a:solidFill>
@@ -7806,7 +7920,7 @@
               <a:t> ،</a:t>
             </a:r>
             <a:r>
-              <a:rPr lang="fr-FR" sz="3600" b="1" dirty="0" smtClean="0">
+              <a:rPr lang="fr-FR" sz="3600" b="1" dirty="0">
                 <a:solidFill>
                   <a:srgbClr val="CC0099"/>
                 </a:solidFill>
@@ -7814,7 +7928,7 @@
               <a:t>Cl</a:t>
             </a:r>
             <a:r>
-              <a:rPr lang="fr-FR" sz="3600" b="1" baseline="30000" dirty="0" smtClean="0">
+              <a:rPr lang="fr-FR" sz="3600" b="1" baseline="30000" dirty="0">
                 <a:solidFill>
                   <a:srgbClr val="CC0099"/>
                 </a:solidFill>
@@ -7822,7 +7936,7 @@
               <a:t>-</a:t>
             </a:r>
             <a:r>
-              <a:rPr lang="fr-FR" sz="3600" b="1" dirty="0" smtClean="0">
+              <a:rPr lang="fr-FR" sz="3600" b="1" dirty="0">
                 <a:solidFill>
                   <a:srgbClr val="CC0099"/>
                 </a:solidFill>
@@ -7830,7 +7944,7 @@
               <a:t> </a:t>
             </a:r>
             <a:r>
-              <a:rPr lang="ar-DZ" sz="3600" b="1" dirty="0" smtClean="0">
+              <a:rPr lang="ar-DZ" sz="3600" b="1" dirty="0">
                 <a:solidFill>
                   <a:srgbClr val="CC0099"/>
                 </a:solidFill>
@@ -7838,7 +7952,7 @@
               <a:t> ،</a:t>
             </a:r>
             <a:r>
-              <a:rPr lang="fr-FR" sz="3600" b="1" dirty="0" smtClean="0">
+              <a:rPr lang="fr-FR" sz="3600" b="1" dirty="0">
                 <a:solidFill>
                   <a:srgbClr val="CC0099"/>
                 </a:solidFill>
@@ -7846,7 +7960,7 @@
               <a:t>Mg</a:t>
             </a:r>
             <a:r>
-              <a:rPr lang="fr-FR" sz="3600" b="1" baseline="30000" dirty="0" smtClean="0">
+              <a:rPr lang="fr-FR" sz="3600" b="1" baseline="30000" dirty="0">
                 <a:solidFill>
                   <a:srgbClr val="CC0099"/>
                 </a:solidFill>
@@ -7854,7 +7968,7 @@
               <a:t>2+</a:t>
             </a:r>
             <a:r>
-              <a:rPr lang="fr-FR" sz="3600" b="1" dirty="0" smtClean="0">
+              <a:rPr lang="fr-FR" sz="3600" b="1" dirty="0">
                 <a:solidFill>
                   <a:srgbClr val="CC0099"/>
                 </a:solidFill>
@@ -7862,7 +7976,7 @@
               <a:t> </a:t>
             </a:r>
             <a:r>
-              <a:rPr lang="ar-DZ" sz="3600" b="1" dirty="0" smtClean="0">
+              <a:rPr lang="ar-DZ" sz="3600" b="1" dirty="0">
                 <a:solidFill>
                   <a:srgbClr val="CC0099"/>
                 </a:solidFill>
@@ -7870,7 +7984,7 @@
               <a:t> ، </a:t>
             </a:r>
             <a:r>
-              <a:rPr lang="fr-FR" sz="3600" b="1" dirty="0" smtClean="0">
+              <a:rPr lang="fr-FR" sz="3600" b="1" dirty="0">
                 <a:solidFill>
                   <a:srgbClr val="CC0099"/>
                 </a:solidFill>
@@ -7878,7 +7992,7 @@
               <a:t>Ca</a:t>
             </a:r>
             <a:r>
-              <a:rPr lang="fr-FR" sz="3600" b="1" baseline="30000" dirty="0" smtClean="0">
+              <a:rPr lang="fr-FR" sz="3600" b="1" baseline="30000" dirty="0">
                 <a:solidFill>
                   <a:srgbClr val="CC0099"/>
                 </a:solidFill>
@@ -7886,7 +8000,7 @@
               <a:t>2+</a:t>
             </a:r>
             <a:r>
-              <a:rPr lang="ar-DZ" sz="3600" b="1" dirty="0" smtClean="0">
+              <a:rPr lang="ar-DZ" sz="3600" b="1" dirty="0">
                 <a:solidFill>
                   <a:srgbClr val="CC0099"/>
                 </a:solidFill>
@@ -7894,7 +8008,7 @@
               <a:t> ،</a:t>
             </a:r>
             <a:r>
-              <a:rPr lang="fr-FR" sz="3600" b="1" dirty="0" smtClean="0">
+              <a:rPr lang="fr-FR" sz="3600" b="1" dirty="0">
                 <a:solidFill>
                   <a:srgbClr val="CC0099"/>
                 </a:solidFill>
@@ -7902,7 +8016,7 @@
               <a:t>Al</a:t>
             </a:r>
             <a:r>
-              <a:rPr lang="fr-FR" sz="3600" b="1" baseline="30000" dirty="0" smtClean="0">
+              <a:rPr lang="fr-FR" sz="3600" b="1" baseline="30000" dirty="0">
                 <a:solidFill>
                   <a:srgbClr val="CC0099"/>
                 </a:solidFill>
@@ -7910,7 +8024,7 @@
               <a:t>3+</a:t>
             </a:r>
             <a:r>
-              <a:rPr lang="ar-DZ" sz="3600" b="1" baseline="30000" dirty="0" smtClean="0">
+              <a:rPr lang="ar-DZ" sz="3600" b="1" baseline="30000" dirty="0">
                 <a:solidFill>
                   <a:srgbClr val="CC0099"/>
                 </a:solidFill>
@@ -7918,7 +8032,7 @@
               <a:t> </a:t>
             </a:r>
             <a:r>
-              <a:rPr lang="ar-DZ" sz="3600" b="1" dirty="0" smtClean="0">
+              <a:rPr lang="ar-DZ" sz="3600" b="1" dirty="0">
                 <a:solidFill>
                   <a:srgbClr val="CC0099"/>
                 </a:solidFill>
@@ -7987,7 +8101,7 @@
               </a:spcAft>
             </a:pPr>
             <a:r>
-              <a:rPr lang="ar-SA" sz="6000" dirty="0" smtClean="0">
+              <a:rPr lang="ar-SA" sz="6000" dirty="0">
                 <a:solidFill>
                   <a:schemeClr val="bg1"/>
                 </a:solidFill>
@@ -7997,7 +8111,7 @@
               </a:rPr>
               <a:t>تقويم 02</a:t>
             </a:r>
-            <a:endParaRPr lang="fr-FR" sz="6000" dirty="0" smtClean="0">
+            <a:endParaRPr lang="fr-FR" sz="6000" dirty="0">
               <a:solidFill>
                 <a:schemeClr val="bg1"/>
               </a:solidFill>
@@ -8051,7 +8165,7 @@
           <a:p>
             <a:pPr algn="ctr"/>
             <a:r>
-              <a:rPr lang="ar-SA" sz="2000" b="1" dirty="0" smtClean="0"/>
+              <a:rPr lang="ar-SA" sz="2000" b="1" dirty="0"/>
               <a:t>13</a:t>
             </a:r>
             <a:endParaRPr lang="fr-FR" sz="2000" b="1" dirty="0"/>
@@ -8063,13 +8177,6 @@
   <p:clrMapOvr>
     <a:masterClrMapping/>
   </p:clrMapOvr>
-  <p:timing>
-    <p:tnLst>
-      <p:par>
-        <p:cTn id="1" dur="indefinite" restart="never" nodeType="tmRoot"/>
-      </p:par>
-    </p:tnLst>
-  </p:timing>
 </p:sld>
 </file>
 
@@ -8150,7 +8257,7 @@
           <a:lstStyle/>
           <a:p>
             <a:r>
-              <a:rPr lang="ar-SA" sz="8000" dirty="0" smtClean="0">
+              <a:rPr lang="ar-SA" sz="8000" dirty="0">
                 <a:solidFill>
                   <a:schemeClr val="accent3">
                     <a:lumMod val="50000"/>
@@ -8214,100 +8321,10 @@
           <a:p>
             <a:pPr algn="ctr"/>
             <a:r>
-              <a:rPr lang="ar-SA" sz="2000" b="1" dirty="0" smtClean="0"/>
+              <a:rPr lang="ar-SA" sz="2000" b="1" dirty="0"/>
               <a:t>14</a:t>
             </a:r>
             <a:endParaRPr lang="fr-FR" sz="2000" b="1" dirty="0"/>
-          </a:p>
-        </p:txBody>
-      </p:sp>
-      <p:sp>
-        <p:nvSpPr>
-          <p:cNvPr id="5" name="Rectangle 4"/>
-          <p:cNvSpPr/>
-          <p:nvPr/>
-        </p:nvSpPr>
-        <p:spPr>
-          <a:xfrm>
-            <a:off x="1785918" y="3857628"/>
-            <a:ext cx="4786346" cy="954107"/>
-          </a:xfrm>
-          <a:prstGeom prst="rect">
-            <a:avLst/>
-          </a:prstGeom>
-          <a:solidFill>
-            <a:schemeClr val="accent3">
-              <a:lumMod val="20000"/>
-              <a:lumOff val="80000"/>
-            </a:schemeClr>
-          </a:solidFill>
-        </p:spPr>
-        <p:txBody>
-          <a:bodyPr wrap="square">
-            <a:spAutoFit/>
-          </a:bodyPr>
-          <a:lstStyle/>
-          <a:p>
-            <a:pPr algn="ctr" rtl="1"/>
-            <a:r>
-              <a:rPr lang="ar-SA" sz="2800" b="1" dirty="0" smtClean="0">
-                <a:solidFill>
-                  <a:schemeClr val="accent3">
-                    <a:lumMod val="50000"/>
-                  </a:schemeClr>
-                </a:solidFill>
-                <a:latin typeface="ae_AlHor" charset="0"/>
-                <a:ea typeface="Times New Roman" pitchFamily="18" charset="0"/>
-                <a:cs typeface="Arial" pitchFamily="34" charset="0"/>
-              </a:rPr>
-              <a:t>الاستاذة: سمية عبد الصمد                     ثانوية نجاي عثمان </a:t>
-            </a:r>
-            <a:r>
-              <a:rPr lang="ar-SA" sz="2800" b="1" dirty="0" smtClean="0">
-                <a:solidFill>
-                  <a:schemeClr val="accent3">
-                    <a:lumMod val="50000"/>
-                  </a:schemeClr>
-                </a:solidFill>
-                <a:latin typeface="ae_AlHor" charset="0"/>
-                <a:ea typeface="Times New Roman" pitchFamily="18" charset="0"/>
-                <a:cs typeface="Arial" pitchFamily="34" charset="0"/>
-              </a:rPr>
-              <a:t>المعذر</a:t>
-            </a:r>
-            <a:r>
-              <a:rPr lang="fr-FR" sz="2800" b="1" dirty="0" smtClean="0">
-                <a:solidFill>
-                  <a:schemeClr val="accent3">
-                    <a:lumMod val="50000"/>
-                  </a:schemeClr>
-                </a:solidFill>
-                <a:latin typeface="ae_AlHor" charset="0"/>
-                <a:ea typeface="Times New Roman" pitchFamily="18" charset="0"/>
-                <a:cs typeface="Arial" pitchFamily="34" charset="0"/>
-              </a:rPr>
-              <a:t>-</a:t>
-            </a:r>
-            <a:r>
-              <a:rPr lang="ar-SA" sz="2800" b="1" dirty="0" smtClean="0">
-                <a:solidFill>
-                  <a:schemeClr val="accent3">
-                    <a:lumMod val="50000"/>
-                  </a:schemeClr>
-                </a:solidFill>
-                <a:latin typeface="ae_AlHor" charset="0"/>
-                <a:ea typeface="Times New Roman" pitchFamily="18" charset="0"/>
-                <a:cs typeface="Arial" pitchFamily="34" charset="0"/>
-              </a:rPr>
-              <a:t>باتنة </a:t>
-            </a:r>
-            <a:endParaRPr lang="fr-FR" b="1" dirty="0">
-              <a:solidFill>
-                <a:schemeClr val="accent3">
-                  <a:lumMod val="50000"/>
-                </a:schemeClr>
-              </a:solidFill>
-            </a:endParaRPr>
           </a:p>
         </p:txBody>
       </p:sp>
@@ -8316,13 +8333,6 @@
   <p:clrMapOvr>
     <a:masterClrMapping/>
   </p:clrMapOvr>
-  <p:timing>
-    <p:tnLst>
-      <p:par>
-        <p:cTn id="1" dur="indefinite" restart="never" nodeType="tmRoot"/>
-      </p:par>
-    </p:tnLst>
-  </p:timing>
 </p:sld>
 </file>
 
@@ -8375,15 +8385,15 @@
               </a:buBlip>
             </a:pPr>
             <a:r>
-              <a:rPr lang="ar-SA" sz="2400" b="1" dirty="0" smtClean="0"/>
+              <a:rPr lang="ar-SA" sz="2400" b="1" dirty="0"/>
               <a:t> </a:t>
             </a:r>
             <a:r>
-              <a:rPr lang="ar-DZ" sz="2200" b="1" dirty="0" smtClean="0"/>
+              <a:rPr lang="ar-DZ" sz="2200" b="1" dirty="0"/>
               <a:t>سنــــة </a:t>
             </a:r>
             <a:r>
-              <a:rPr lang="ar-DZ" sz="2200" b="1" dirty="0" smtClean="0">
+              <a:rPr lang="ar-DZ" sz="2200" b="1" dirty="0">
                 <a:solidFill>
                   <a:srgbClr val="CC0099"/>
                 </a:solidFill>
@@ -8391,11 +8401,11 @@
               <a:t>1869</a:t>
             </a:r>
             <a:r>
-              <a:rPr lang="ar-DZ" sz="2200" b="1" dirty="0" smtClean="0"/>
+              <a:rPr lang="ar-DZ" sz="2200" b="1" dirty="0"/>
               <a:t> اقترح </a:t>
             </a:r>
             <a:r>
-              <a:rPr lang="ar-DZ" sz="2200" b="1" u="sng" dirty="0" smtClean="0">
+              <a:rPr lang="ar-DZ" sz="2200" b="1" u="sng" dirty="0">
                 <a:solidFill>
                   <a:srgbClr val="CC0099"/>
                 </a:solidFill>
@@ -8403,7 +8413,7 @@
               <a:t>العالم الروسي </a:t>
             </a:r>
             <a:r>
-              <a:rPr lang="ar-DZ" sz="2200" b="1" u="sng" dirty="0" err="1" smtClean="0">
+              <a:rPr lang="ar-DZ" sz="2200" b="1" u="sng" dirty="0" err="1">
                 <a:solidFill>
                   <a:srgbClr val="CC0099"/>
                 </a:solidFill>
@@ -8411,7 +8421,7 @@
               <a:t>مندلياف</a:t>
             </a:r>
             <a:r>
-              <a:rPr lang="ar-DZ" sz="2200" b="1" u="sng" dirty="0" smtClean="0">
+              <a:rPr lang="ar-DZ" sz="2200" b="1" u="sng" dirty="0">
                 <a:solidFill>
                   <a:srgbClr val="CC0099"/>
                 </a:solidFill>
@@ -8419,42 +8429,42 @@
               <a:t> </a:t>
             </a:r>
             <a:r>
-              <a:rPr lang="ar-DZ" sz="2200" b="1" dirty="0" smtClean="0"/>
+              <a:rPr lang="ar-DZ" sz="2200" b="1" dirty="0"/>
               <a:t>ترتيب العناصر في جدول حسب خواصها الفيزيائية </a:t>
             </a:r>
             <a:r>
-              <a:rPr lang="ar-DZ" sz="2200" b="1" dirty="0" err="1" smtClean="0"/>
+              <a:rPr lang="ar-DZ" sz="2200" b="1" dirty="0" err="1"/>
               <a:t>و</a:t>
             </a:r>
             <a:r>
-              <a:rPr lang="ar-DZ" sz="2200" b="1" dirty="0" smtClean="0"/>
+              <a:rPr lang="ar-DZ" sz="2200" b="1" dirty="0"/>
               <a:t> الكيميائية وفق كتلتها الدرية تصاعديا فلاحظ ظهور دورية منتظمة في تشابه تلك الخصائص فترك خانات فارغة لعناصر لم تعرف بعد مع التنبؤ بخصائصها </a:t>
             </a:r>
             <a:r>
-              <a:rPr lang="ar-DZ" sz="2200" b="1" dirty="0" err="1" smtClean="0"/>
+              <a:rPr lang="ar-DZ" sz="2200" b="1" dirty="0" err="1"/>
               <a:t>و</a:t>
             </a:r>
             <a:r>
-              <a:rPr lang="ar-DZ" sz="2200" b="1" dirty="0" smtClean="0"/>
+              <a:rPr lang="ar-DZ" sz="2200" b="1" dirty="0"/>
               <a:t> التي اكتشفت بعد دلك </a:t>
             </a:r>
             <a:r>
-              <a:rPr lang="ar-DZ" sz="2200" b="1" dirty="0" err="1" smtClean="0"/>
+              <a:rPr lang="ar-DZ" sz="2200" b="1" dirty="0" err="1"/>
               <a:t>و</a:t>
             </a:r>
             <a:r>
-              <a:rPr lang="ar-DZ" sz="2200" b="1" dirty="0" smtClean="0"/>
+              <a:rPr lang="ar-DZ" sz="2200" b="1" dirty="0"/>
               <a:t> كانت تتميز فعلا بتلك الخصائص مما جعل من جدول </a:t>
             </a:r>
             <a:r>
-              <a:rPr lang="ar-DZ" sz="2200" b="1" dirty="0" err="1" smtClean="0"/>
+              <a:rPr lang="ar-DZ" sz="2200" b="1" dirty="0" err="1"/>
               <a:t>مندلييف</a:t>
             </a:r>
             <a:r>
-              <a:rPr lang="ar-DZ" sz="2200" b="1" dirty="0" smtClean="0"/>
+              <a:rPr lang="ar-DZ" sz="2200" b="1" dirty="0"/>
               <a:t> الجدول المعتمد لترتيب العناصر . </a:t>
             </a:r>
-            <a:endParaRPr lang="ar-SA" sz="2200" b="1" dirty="0" smtClean="0"/>
+            <a:endParaRPr lang="ar-SA" sz="2200" b="1" dirty="0"/>
           </a:p>
           <a:p>
             <a:pPr algn="just" rtl="1">
@@ -8463,11 +8473,11 @@
               </a:buBlip>
             </a:pPr>
             <a:r>
-              <a:rPr lang="ar-DZ" sz="2200" b="1" dirty="0" smtClean="0"/>
+              <a:rPr lang="ar-DZ" sz="2200" b="1" dirty="0"/>
               <a:t> سنـــــــــة </a:t>
             </a:r>
             <a:r>
-              <a:rPr lang="ar-DZ" sz="2200" b="1" dirty="0" smtClean="0">
+              <a:rPr lang="ar-DZ" sz="2200" b="1" dirty="0">
                 <a:solidFill>
                   <a:srgbClr val="CC0099"/>
                 </a:solidFill>
@@ -8475,11 +8485,11 @@
               <a:t>1904</a:t>
             </a:r>
             <a:r>
-              <a:rPr lang="ar-DZ" sz="2200" b="1" dirty="0" smtClean="0"/>
+              <a:rPr lang="ar-DZ" sz="2200" b="1" dirty="0"/>
               <a:t> تمكن </a:t>
             </a:r>
             <a:r>
-              <a:rPr lang="ar-DZ" sz="2200" b="1" u="sng" dirty="0" smtClean="0">
+              <a:rPr lang="ar-DZ" sz="2200" b="1" u="sng" dirty="0">
                 <a:solidFill>
                   <a:srgbClr val="CC0099"/>
                 </a:solidFill>
@@ -8487,19 +8497,19 @@
               <a:t>العالم موصلي </a:t>
             </a:r>
             <a:r>
-              <a:rPr lang="ar-DZ" sz="2200" b="1" dirty="0" smtClean="0"/>
+              <a:rPr lang="ar-DZ" sz="2200" b="1" dirty="0"/>
               <a:t>إيجاد العلاقة بين العدد الدري </a:t>
             </a:r>
             <a:r>
-              <a:rPr lang="ar-DZ" sz="2200" b="1" dirty="0" err="1" smtClean="0"/>
+              <a:rPr lang="ar-DZ" sz="2200" b="1" dirty="0" err="1"/>
               <a:t>و</a:t>
             </a:r>
             <a:r>
-              <a:rPr lang="ar-DZ" sz="2200" b="1" dirty="0" smtClean="0"/>
+              <a:rPr lang="ar-DZ" sz="2200" b="1" dirty="0"/>
               <a:t> نصف قطر الدرة ونتيجة لاكتشاف الرقم الدري</a:t>
             </a:r>
             <a:r>
-              <a:rPr lang="ar-SA" sz="2200" b="1" dirty="0" smtClean="0"/>
+              <a:rPr lang="ar-SA" sz="2200" b="1" dirty="0"/>
               <a:t>.</a:t>
             </a:r>
           </a:p>
@@ -8510,11 +8520,11 @@
               </a:buBlip>
             </a:pPr>
             <a:r>
-              <a:rPr lang="ar-DZ" sz="2200" b="1" dirty="0" smtClean="0"/>
+              <a:rPr lang="ar-DZ" sz="2200" b="1" dirty="0"/>
               <a:t> سنـــــة </a:t>
             </a:r>
             <a:r>
-              <a:rPr lang="ar-DZ" sz="2200" b="1" dirty="0" smtClean="0">
+              <a:rPr lang="ar-DZ" sz="2200" b="1" dirty="0">
                 <a:solidFill>
                   <a:srgbClr val="CC0099"/>
                 </a:solidFill>
@@ -8522,19 +8532,19 @@
               <a:t>1913</a:t>
             </a:r>
             <a:r>
-              <a:rPr lang="ar-DZ" sz="2200" b="1" dirty="0" smtClean="0"/>
+              <a:rPr lang="ar-DZ" sz="2200" b="1" dirty="0"/>
               <a:t> تمكن العالم </a:t>
             </a:r>
             <a:r>
-              <a:rPr lang="ar-DZ" sz="2200" b="1" dirty="0" err="1" smtClean="0"/>
+              <a:rPr lang="ar-DZ" sz="2200" b="1" dirty="0" err="1"/>
               <a:t>سبورغ</a:t>
             </a:r>
             <a:r>
-              <a:rPr lang="ar-DZ" sz="2200" b="1" dirty="0" smtClean="0"/>
+              <a:rPr lang="ar-DZ" sz="2200" b="1" dirty="0"/>
               <a:t>  </a:t>
             </a:r>
             <a:r>
-              <a:rPr lang="ar-DZ" sz="2200" b="1" dirty="0" smtClean="0">
+              <a:rPr lang="ar-DZ" sz="2200" b="1" dirty="0">
                 <a:solidFill>
                   <a:srgbClr val="CC0099"/>
                 </a:solidFill>
@@ -8542,18 +8552,18 @@
               <a:t>1945</a:t>
             </a:r>
             <a:r>
-              <a:rPr lang="ar-DZ" sz="2200" b="1" dirty="0" smtClean="0"/>
+              <a:rPr lang="ar-DZ" sz="2200" b="1" dirty="0"/>
               <a:t> من </a:t>
             </a:r>
             <a:r>
-              <a:rPr lang="ar-DZ" sz="2200" b="1" dirty="0" err="1" smtClean="0"/>
+              <a:rPr lang="ar-DZ" sz="2200" b="1" dirty="0" err="1"/>
               <a:t>اثباث</a:t>
             </a:r>
             <a:r>
-              <a:rPr lang="ar-DZ" sz="2200" b="1" dirty="0" smtClean="0"/>
+              <a:rPr lang="ar-DZ" sz="2200" b="1" dirty="0"/>
               <a:t> أن الجدول الدوري المعتمد يتوافق تماما مع تزايد الرقم الدري .</a:t>
             </a:r>
-            <a:endParaRPr lang="fr-FR" sz="2200" b="1" dirty="0" smtClean="0"/>
+            <a:endParaRPr lang="fr-FR" sz="2200" b="1" dirty="0"/>
           </a:p>
         </p:txBody>
       </p:sp>
@@ -8611,7 +8621,7 @@
               </a:spcAft>
             </a:pPr>
             <a:r>
-              <a:rPr lang="ar-SA" sz="5400" dirty="0" smtClean="0">
+              <a:rPr lang="ar-SA" sz="5400" dirty="0">
                 <a:solidFill>
                   <a:schemeClr val="bg1"/>
                 </a:solidFill>
@@ -8621,7 +8631,7 @@
               </a:rPr>
               <a:t>نبذة تاريخية عن محاولات التصنيف </a:t>
             </a:r>
-            <a:endParaRPr lang="fr-FR" sz="5400" dirty="0" smtClean="0">
+            <a:endParaRPr lang="fr-FR" sz="5400" dirty="0">
               <a:solidFill>
                 <a:schemeClr val="bg1"/>
               </a:solidFill>
@@ -8701,7 +8711,7 @@
           <a:p>
             <a:pPr algn="ctr"/>
             <a:r>
-              <a:rPr lang="ar-SA" sz="2000" b="1" dirty="0" smtClean="0"/>
+              <a:rPr lang="ar-SA" sz="2000" b="1" dirty="0"/>
               <a:t>15</a:t>
             </a:r>
             <a:endParaRPr lang="fr-FR" sz="2000" b="1" dirty="0"/>
@@ -8713,13 +8723,6 @@
   <p:clrMapOvr>
     <a:masterClrMapping/>
   </p:clrMapOvr>
-  <p:timing>
-    <p:tnLst>
-      <p:par>
-        <p:cTn id="1" dur="indefinite" restart="never" nodeType="tmRoot"/>
-      </p:par>
-    </p:tnLst>
-  </p:timing>
 </p:sld>
 </file>
 
@@ -8794,7 +8797,7 @@
               </a:spcAft>
             </a:pPr>
             <a:r>
-              <a:rPr lang="ar-SA" sz="5400" dirty="0" smtClean="0">
+              <a:rPr lang="ar-SA" sz="5400" dirty="0">
                 <a:solidFill>
                   <a:schemeClr val="bg1"/>
                 </a:solidFill>
@@ -8804,7 +8807,7 @@
               </a:rPr>
               <a:t>تحليل جدول مندليف </a:t>
             </a:r>
-            <a:endParaRPr lang="fr-FR" sz="5400" dirty="0" smtClean="0">
+            <a:endParaRPr lang="fr-FR" sz="5400" dirty="0">
               <a:solidFill>
                 <a:schemeClr val="bg1"/>
               </a:solidFill>
@@ -8834,14 +8837,62 @@
                 <a:tableStyleId>{69C7853C-536D-4A76-A0AE-DD22124D55A5}</a:tableStyleId>
               </a:tblPr>
               <a:tblGrid>
-                <a:gridCol w="916126"/>
-                <a:gridCol w="845025"/>
-                <a:gridCol w="839560"/>
-                <a:gridCol w="912567"/>
-                <a:gridCol w="914346"/>
-                <a:gridCol w="912567"/>
-                <a:gridCol w="914346"/>
-                <a:gridCol w="913456"/>
+                <a:gridCol w="916126">
+                  <a:extLst>
+                    <a:ext uri="{9D8B030D-6E8A-4147-A177-3AD203B41FA5}">
+                      <a16:colId xmlns:a16="http://schemas.microsoft.com/office/drawing/2014/main" val="20000"/>
+                    </a:ext>
+                  </a:extLst>
+                </a:gridCol>
+                <a:gridCol w="845025">
+                  <a:extLst>
+                    <a:ext uri="{9D8B030D-6E8A-4147-A177-3AD203B41FA5}">
+                      <a16:colId xmlns:a16="http://schemas.microsoft.com/office/drawing/2014/main" val="20001"/>
+                    </a:ext>
+                  </a:extLst>
+                </a:gridCol>
+                <a:gridCol w="839560">
+                  <a:extLst>
+                    <a:ext uri="{9D8B030D-6E8A-4147-A177-3AD203B41FA5}">
+                      <a16:colId xmlns:a16="http://schemas.microsoft.com/office/drawing/2014/main" val="20002"/>
+                    </a:ext>
+                  </a:extLst>
+                </a:gridCol>
+                <a:gridCol w="912567">
+                  <a:extLst>
+                    <a:ext uri="{9D8B030D-6E8A-4147-A177-3AD203B41FA5}">
+                      <a16:colId xmlns:a16="http://schemas.microsoft.com/office/drawing/2014/main" val="20003"/>
+                    </a:ext>
+                  </a:extLst>
+                </a:gridCol>
+                <a:gridCol w="914346">
+                  <a:extLst>
+                    <a:ext uri="{9D8B030D-6E8A-4147-A177-3AD203B41FA5}">
+                      <a16:colId xmlns:a16="http://schemas.microsoft.com/office/drawing/2014/main" val="20004"/>
+                    </a:ext>
+                  </a:extLst>
+                </a:gridCol>
+                <a:gridCol w="912567">
+                  <a:extLst>
+                    <a:ext uri="{9D8B030D-6E8A-4147-A177-3AD203B41FA5}">
+                      <a16:colId xmlns:a16="http://schemas.microsoft.com/office/drawing/2014/main" val="20005"/>
+                    </a:ext>
+                  </a:extLst>
+                </a:gridCol>
+                <a:gridCol w="914346">
+                  <a:extLst>
+                    <a:ext uri="{9D8B030D-6E8A-4147-A177-3AD203B41FA5}">
+                      <a16:colId xmlns:a16="http://schemas.microsoft.com/office/drawing/2014/main" val="20006"/>
+                    </a:ext>
+                  </a:extLst>
+                </a:gridCol>
+                <a:gridCol w="913456">
+                  <a:extLst>
+                    <a:ext uri="{9D8B030D-6E8A-4147-A177-3AD203B41FA5}">
+                      <a16:colId xmlns:a16="http://schemas.microsoft.com/office/drawing/2014/main" val="20007"/>
+                    </a:ext>
+                  </a:extLst>
+                </a:gridCol>
               </a:tblGrid>
               <a:tr h="829598">
                 <a:tc>
@@ -8994,6 +9045,11 @@
                   </a:txBody>
                   <a:tcPr marL="68580" marR="68580" marT="0" marB="0" anchor="ctr"/>
                 </a:tc>
+                <a:extLst>
+                  <a:ext uri="{0D108BD9-81ED-4DB2-BD59-A6C34878D82A}">
+                    <a16:rowId xmlns:a16="http://schemas.microsoft.com/office/drawing/2014/main" val="10000"/>
+                  </a:ext>
+                </a:extLst>
               </a:tr>
               <a:tr h="670600">
                 <a:tc>
@@ -9292,14 +9348,14 @@
                         </a:spcAft>
                       </a:pPr>
                       <a:r>
-                        <a:rPr lang="fr-FR" sz="2400" b="1" dirty="0" smtClean="0">
+                        <a:rPr lang="fr-FR" sz="2400" b="1" dirty="0">
                           <a:latin typeface="Tahoma" pitchFamily="34" charset="0"/>
                           <a:cs typeface="Tahoma" pitchFamily="34" charset="0"/>
                         </a:rPr>
                         <a:t>Li </a:t>
                       </a:r>
                       <a:r>
-                        <a:rPr lang="ar-SA" sz="2400" b="1" baseline="-25000" dirty="0" smtClean="0">
+                        <a:rPr lang="ar-SA" sz="2400" b="1" baseline="-25000" dirty="0">
                           <a:solidFill>
                             <a:srgbClr val="CC0099"/>
                           </a:solidFill>
@@ -9320,6 +9376,11 @@
                   </a:txBody>
                   <a:tcPr marL="68580" marR="68580" marT="0" marB="0" anchor="ctr"/>
                 </a:tc>
+                <a:extLst>
+                  <a:ext uri="{0D108BD9-81ED-4DB2-BD59-A6C34878D82A}">
+                    <a16:rowId xmlns:a16="http://schemas.microsoft.com/office/drawing/2014/main" val="10001"/>
+                  </a:ext>
+                </a:extLst>
               </a:tr>
               <a:tr h="683650">
                 <a:tc>
@@ -9652,6 +9713,11 @@
                   </a:txBody>
                   <a:tcPr marL="68580" marR="68580" marT="0" marB="0" anchor="ctr"/>
                 </a:tc>
+                <a:extLst>
+                  <a:ext uri="{0D108BD9-81ED-4DB2-BD59-A6C34878D82A}">
+                    <a16:rowId xmlns:a16="http://schemas.microsoft.com/office/drawing/2014/main" val="10002"/>
+                  </a:ext>
+                </a:extLst>
               </a:tr>
             </a:tbl>
           </a:graphicData>
@@ -9692,7 +9758,7 @@
               <a:buAutoNum type="arabicPeriod"/>
             </a:pPr>
             <a:r>
-              <a:rPr lang="ar-DZ" sz="2000" b="1" dirty="0" smtClean="0">
+              <a:rPr lang="ar-DZ" sz="2000" b="1" dirty="0">
                 <a:solidFill>
                   <a:schemeClr val="accent3">
                     <a:lumMod val="50000"/>
@@ -9702,7 +9768,7 @@
               <a:t>يتشكل الجدول الدوري في صيغته البسيطة من 8 أعمدة </a:t>
             </a:r>
             <a:r>
-              <a:rPr lang="ar-DZ" sz="2000" b="1" dirty="0" err="1" smtClean="0">
+              <a:rPr lang="ar-DZ" sz="2000" b="1" dirty="0" err="1">
                 <a:solidFill>
                   <a:schemeClr val="accent3">
                     <a:lumMod val="50000"/>
@@ -9712,7 +9778,7 @@
               <a:t>و</a:t>
             </a:r>
             <a:r>
-              <a:rPr lang="ar-DZ" sz="2000" b="1" dirty="0" smtClean="0">
+              <a:rPr lang="ar-DZ" sz="2000" b="1" dirty="0">
                 <a:solidFill>
                   <a:schemeClr val="accent3">
                     <a:lumMod val="50000"/>
@@ -9722,7 +9788,7 @@
               <a:t> 3 سطور ترقم الأعمدة بأرقام رومانية من  </a:t>
             </a:r>
             <a:r>
-              <a:rPr lang="fr-FR" sz="2000" b="1" dirty="0" smtClean="0">
+              <a:rPr lang="fr-FR" sz="2000" b="1" dirty="0">
                 <a:solidFill>
                   <a:schemeClr val="accent3">
                     <a:lumMod val="50000"/>
@@ -9732,7 +9798,7 @@
               <a:t>I</a:t>
             </a:r>
             <a:r>
-              <a:rPr lang="ar-DZ" sz="2000" b="1" dirty="0" smtClean="0">
+              <a:rPr lang="ar-DZ" sz="2000" b="1" dirty="0">
                 <a:solidFill>
                   <a:schemeClr val="accent3">
                     <a:lumMod val="50000"/>
@@ -9742,7 +9808,7 @@
               <a:t>    إلى     </a:t>
             </a:r>
             <a:r>
-              <a:rPr lang="fr-FR" sz="2000" b="1" dirty="0" smtClean="0">
+              <a:rPr lang="fr-FR" sz="2000" b="1" dirty="0">
                 <a:solidFill>
                   <a:schemeClr val="accent3">
                     <a:lumMod val="50000"/>
@@ -9752,7 +9818,7 @@
               <a:t>IIIV</a:t>
             </a:r>
             <a:r>
-              <a:rPr lang="ar-DZ" sz="2000" b="1" dirty="0" smtClean="0">
+              <a:rPr lang="ar-DZ" sz="2000" b="1" dirty="0">
                 <a:solidFill>
                   <a:schemeClr val="accent3">
                     <a:lumMod val="50000"/>
@@ -9761,7 +9827,7 @@
               </a:rPr>
               <a:t>    و السطور بالأرقام العربية من 1 إلى 3   </a:t>
             </a:r>
-            <a:endParaRPr lang="fr-FR" sz="2000" b="1" dirty="0" smtClean="0">
+            <a:endParaRPr lang="fr-FR" sz="2000" b="1" dirty="0">
               <a:solidFill>
                 <a:schemeClr val="accent3">
                   <a:lumMod val="50000"/>
@@ -9778,7 +9844,7 @@
               <a:buAutoNum type="arabicPeriod"/>
             </a:pPr>
             <a:r>
-              <a:rPr lang="ar-DZ" sz="2000" b="1" dirty="0" smtClean="0">
+              <a:rPr lang="ar-DZ" sz="2000" b="1" dirty="0">
                 <a:solidFill>
                   <a:schemeClr val="accent3">
                     <a:lumMod val="50000"/>
@@ -9787,7 +9853,7 @@
               </a:rPr>
               <a:t>عناصر العمود الواحد تحتوي على نفس عدد الإلكترونات في المدار الأخير يستلزم أن رقم العمود يدل على عدد الإلكترونات في المدار الأخير .</a:t>
             </a:r>
-            <a:endParaRPr lang="fr-FR" sz="2000" b="1" dirty="0" smtClean="0">
+            <a:endParaRPr lang="fr-FR" sz="2000" b="1" dirty="0">
               <a:solidFill>
                 <a:schemeClr val="accent3">
                   <a:lumMod val="50000"/>
@@ -9804,7 +9870,7 @@
               <a:buAutoNum type="arabicPeriod"/>
             </a:pPr>
             <a:r>
-              <a:rPr lang="ar-DZ" sz="2000" b="1" dirty="0" smtClean="0">
+              <a:rPr lang="ar-DZ" sz="2000" b="1" dirty="0">
                 <a:solidFill>
                   <a:schemeClr val="accent3">
                     <a:lumMod val="50000"/>
@@ -9813,7 +9879,7 @@
               </a:rPr>
               <a:t>عناصر السطر الواحد تحتوي على نفس عدد الطبقات يستلزم أن رقم السطر يدل على عدد المدارات.  </a:t>
             </a:r>
-            <a:endParaRPr lang="fr-FR" sz="2000" b="1" dirty="0" smtClean="0">
+            <a:endParaRPr lang="fr-FR" sz="2000" b="1" dirty="0">
               <a:solidFill>
                 <a:schemeClr val="accent3">
                   <a:lumMod val="50000"/>
@@ -9866,7 +9932,7 @@
           <a:p>
             <a:pPr algn="ctr"/>
             <a:r>
-              <a:rPr lang="ar-SA" sz="2000" b="1" dirty="0" smtClean="0"/>
+              <a:rPr lang="ar-SA" sz="2000" b="1" dirty="0"/>
               <a:t>16</a:t>
             </a:r>
             <a:endParaRPr lang="fr-FR" sz="2000" b="1" dirty="0"/>
@@ -9878,13 +9944,6 @@
   <p:clrMapOvr>
     <a:masterClrMapping/>
   </p:clrMapOvr>
-  <p:timing>
-    <p:tnLst>
-      <p:par>
-        <p:cTn id="1" dur="indefinite" restart="never" nodeType="tmRoot"/>
-      </p:par>
-    </p:tnLst>
-  </p:timing>
 </p:sld>
 </file>
 
@@ -9955,10 +10014,10 @@
               </a:tabLst>
             </a:pPr>
             <a:r>
-              <a:rPr lang="ar-DZ" sz="2000" b="1" dirty="0" smtClean="0"/>
+              <a:rPr lang="ar-DZ" sz="2000" b="1" dirty="0"/>
               <a:t>يحتوي الجدول الدوري للعناصر على عائلات أهمها</a:t>
             </a:r>
-            <a:endParaRPr lang="fr-FR" sz="2000" b="1" dirty="0" smtClean="0"/>
+            <a:endParaRPr lang="fr-FR" sz="2000" b="1" dirty="0"/>
           </a:p>
           <a:p>
             <a:pPr lvl="0" algn="r" rtl="1" eaLnBrk="0" fontAlgn="base" hangingPunct="0">
@@ -9975,14 +10034,14 @@
               </a:tabLst>
             </a:pPr>
             <a:r>
-              <a:rPr lang="ar-DZ" sz="2000" b="1" u="sng" dirty="0" smtClean="0">
+              <a:rPr lang="ar-DZ" sz="2000" b="1" u="sng" dirty="0">
                 <a:solidFill>
                   <a:srgbClr val="CC0099"/>
                 </a:solidFill>
               </a:rPr>
               <a:t>المعادن القلوية</a:t>
             </a:r>
-            <a:endParaRPr lang="fr-FR" sz="2000" b="1" u="sng" dirty="0" smtClean="0">
+            <a:endParaRPr lang="fr-FR" sz="2000" b="1" u="sng" dirty="0">
               <a:solidFill>
                 <a:srgbClr val="CC0099"/>
               </a:solidFill>
@@ -10001,7 +10060,7 @@
               </a:tabLst>
             </a:pPr>
             <a:r>
-              <a:rPr lang="ar-DZ" sz="2000" b="1" dirty="0" smtClean="0">
+              <a:rPr lang="ar-DZ" sz="2000" b="1" dirty="0">
                 <a:solidFill>
                   <a:schemeClr val="accent3">
                     <a:lumMod val="50000"/>
@@ -10011,10 +10070,10 @@
               <a:t> </a:t>
             </a:r>
             <a:r>
-              <a:rPr lang="ar-DZ" sz="2000" b="1" dirty="0" smtClean="0"/>
+              <a:rPr lang="ar-DZ" sz="2000" b="1" dirty="0"/>
               <a:t>هي العناصر التي تنتمي للعمود الأول وهي رخوة  ، خفيفة  ،  تشبه الفضةلاتوجد في الطبيعة منفردة بل مرتبطة مع عناصر أخرى تشكل أجساما مركبة .</a:t>
             </a:r>
-            <a:endParaRPr lang="fr-FR" sz="2000" b="1" dirty="0" smtClean="0"/>
+            <a:endParaRPr lang="fr-FR" sz="2000" b="1" dirty="0"/>
           </a:p>
           <a:p>
             <a:pPr lvl="0" algn="r" rtl="1" eaLnBrk="0" fontAlgn="base" hangingPunct="0">
@@ -10031,14 +10090,14 @@
               </a:tabLst>
             </a:pPr>
             <a:r>
-              <a:rPr lang="ar-DZ" sz="2000" b="1" u="sng" dirty="0" smtClean="0">
+              <a:rPr lang="ar-DZ" sz="2000" b="1" u="sng" dirty="0">
                 <a:solidFill>
                   <a:srgbClr val="CC0099"/>
                 </a:solidFill>
               </a:rPr>
               <a:t>المعادن القلوية الترابية</a:t>
             </a:r>
-            <a:endParaRPr lang="fr-FR" sz="2000" b="1" u="sng" dirty="0" smtClean="0">
+            <a:endParaRPr lang="fr-FR" sz="2000" b="1" u="sng" dirty="0">
               <a:solidFill>
                 <a:srgbClr val="CC0099"/>
               </a:solidFill>
@@ -10057,18 +10116,18 @@
               </a:tabLst>
             </a:pPr>
             <a:r>
-              <a:rPr lang="ar-DZ" sz="2000" b="1" dirty="0" smtClean="0"/>
+              <a:rPr lang="ar-DZ" sz="2000" b="1" dirty="0"/>
               <a:t>هي عناصر العمود الثاني </a:t>
             </a:r>
             <a:r>
-              <a:rPr lang="ar-DZ" sz="2000" b="1" dirty="0" err="1" smtClean="0"/>
+              <a:rPr lang="ar-DZ" sz="2000" b="1" dirty="0" err="1"/>
               <a:t>و</a:t>
             </a:r>
             <a:r>
-              <a:rPr lang="ar-DZ" sz="2000" b="1" dirty="0" smtClean="0"/>
+              <a:rPr lang="ar-DZ" sz="2000" b="1" dirty="0"/>
               <a:t> هي أجسام صلبة رمادية اللون تشبه المعادن القلوية.</a:t>
             </a:r>
-            <a:endParaRPr lang="fr-FR" sz="2000" b="1" dirty="0" smtClean="0"/>
+            <a:endParaRPr lang="fr-FR" sz="2000" b="1" dirty="0"/>
           </a:p>
           <a:p>
             <a:pPr lvl="0" algn="r" rtl="1" eaLnBrk="0" fontAlgn="base" hangingPunct="0">
@@ -10085,14 +10144,14 @@
               </a:tabLst>
             </a:pPr>
             <a:r>
-              <a:rPr lang="ar-DZ" sz="2000" b="1" u="sng" dirty="0" err="1" smtClean="0">
+              <a:rPr lang="ar-DZ" sz="2000" b="1" u="sng" dirty="0" err="1">
                 <a:solidFill>
                   <a:srgbClr val="CC0099"/>
                 </a:solidFill>
               </a:rPr>
               <a:t>الهالوجينات</a:t>
             </a:r>
-            <a:endParaRPr lang="fr-FR" sz="2000" b="1" u="sng" dirty="0" smtClean="0">
+            <a:endParaRPr lang="fr-FR" sz="2000" b="1" u="sng" dirty="0">
               <a:solidFill>
                 <a:srgbClr val="CC0099"/>
               </a:solidFill>
@@ -10111,42 +10170,42 @@
               </a:tabLst>
             </a:pPr>
             <a:r>
-              <a:rPr lang="ar-DZ" sz="2000" b="1" dirty="0" smtClean="0"/>
+              <a:rPr lang="ar-DZ" sz="2000" b="1" dirty="0"/>
               <a:t>هي العناصر الموجودة في العمود ما قبل الأخير أي   العمود   </a:t>
             </a:r>
             <a:r>
-              <a:rPr lang="fr-FR" sz="2000" b="1" dirty="0" smtClean="0"/>
+              <a:rPr lang="fr-FR" sz="2000" b="1" dirty="0"/>
               <a:t>VII</a:t>
             </a:r>
             <a:r>
-              <a:rPr lang="ar-DZ" sz="2000" b="1" dirty="0" smtClean="0"/>
+              <a:rPr lang="ar-DZ" sz="2000" b="1" dirty="0"/>
               <a:t>   وهي كثيرة النشاط،</a:t>
             </a:r>
             <a:r>
-              <a:rPr lang="ar-DZ" sz="2000" b="1" dirty="0" err="1" smtClean="0"/>
+              <a:rPr lang="ar-DZ" sz="2000" b="1" dirty="0" err="1"/>
               <a:t>إسمها</a:t>
             </a:r>
             <a:r>
-              <a:rPr lang="ar-DZ" sz="2000" b="1" dirty="0" smtClean="0"/>
+              <a:rPr lang="ar-DZ" sz="2000" b="1" dirty="0"/>
               <a:t> مشتق من كلمة إغريقية تعني « مولدات الأملاح »، فإذا اتحدت مع عناصر المعادن القلوية شكلت أملاحا، </a:t>
             </a:r>
             <a:r>
-              <a:rPr lang="ar-DZ" sz="2000" b="1" dirty="0" err="1" smtClean="0"/>
+              <a:rPr lang="ar-DZ" sz="2000" b="1" dirty="0" err="1"/>
               <a:t>و</a:t>
             </a:r>
             <a:r>
-              <a:rPr lang="ar-DZ" sz="2000" b="1" dirty="0" smtClean="0"/>
+              <a:rPr lang="ar-DZ" sz="2000" b="1" dirty="0"/>
               <a:t> إذا اتحدت مع  </a:t>
             </a:r>
             <a:r>
-              <a:rPr lang="ar-DZ" sz="2000" b="1" dirty="0" err="1" smtClean="0"/>
+              <a:rPr lang="ar-DZ" sz="2000" b="1" dirty="0" err="1"/>
               <a:t>الهيدرجين</a:t>
             </a:r>
             <a:r>
-              <a:rPr lang="ar-DZ" sz="2000" b="1" dirty="0" smtClean="0"/>
+              <a:rPr lang="ar-DZ" sz="2000" b="1" dirty="0"/>
               <a:t> شكلت أحماضا.</a:t>
             </a:r>
-            <a:endParaRPr lang="fr-FR" sz="2000" b="1" dirty="0" smtClean="0"/>
+            <a:endParaRPr lang="fr-FR" sz="2000" b="1" dirty="0"/>
           </a:p>
           <a:p>
             <a:pPr lvl="0" algn="r" rtl="1" eaLnBrk="0" fontAlgn="base" hangingPunct="0">
@@ -10163,14 +10222,14 @@
               </a:tabLst>
             </a:pPr>
             <a:r>
-              <a:rPr lang="ar-DZ" sz="2000" b="1" u="sng" dirty="0" smtClean="0">
+              <a:rPr lang="ar-DZ" sz="2000" b="1" u="sng" dirty="0">
                 <a:solidFill>
                   <a:srgbClr val="CC0099"/>
                 </a:solidFill>
               </a:rPr>
               <a:t>الغازات النادرة- الغازات الخاملة</a:t>
             </a:r>
-            <a:endParaRPr lang="fr-FR" sz="2000" b="1" u="sng" dirty="0" smtClean="0">
+            <a:endParaRPr lang="fr-FR" sz="2000" b="1" u="sng" dirty="0">
               <a:solidFill>
                 <a:srgbClr val="CC0099"/>
               </a:solidFill>
@@ -10189,18 +10248,18 @@
               </a:tabLst>
             </a:pPr>
             <a:r>
-              <a:rPr lang="ar-DZ" sz="2000" b="1" dirty="0" smtClean="0"/>
+              <a:rPr lang="ar-DZ" sz="2000" b="1" dirty="0"/>
               <a:t>هي العناصر المنتمية للعمود الأخير أي العمود </a:t>
             </a:r>
             <a:r>
-              <a:rPr lang="fr-FR" sz="2000" b="1" dirty="0" smtClean="0"/>
+              <a:rPr lang="fr-FR" sz="2000" b="1" dirty="0"/>
               <a:t>VIII</a:t>
             </a:r>
             <a:r>
-              <a:rPr lang="ar-DZ" sz="2000" b="1" dirty="0" smtClean="0"/>
+              <a:rPr lang="ar-DZ" sz="2000" b="1" dirty="0"/>
               <a:t> . طبقتها السطحية مشبعة مما يجعلها أكثر استقرار. وهي خاملة أي غير نشيطة . و ليس لها لون في الحالة الطبيعية. </a:t>
             </a:r>
-            <a:endParaRPr lang="ar-SA" sz="2000" b="1" dirty="0" smtClean="0"/>
+            <a:endParaRPr lang="ar-SA" sz="2000" b="1" dirty="0"/>
           </a:p>
           <a:p>
             <a:pPr lvl="0" algn="r" rtl="1" eaLnBrk="0" fontAlgn="base" hangingPunct="0">
@@ -10215,10 +10274,10 @@
               </a:tabLst>
             </a:pPr>
             <a:r>
-              <a:rPr lang="ar-DZ" sz="2000" b="1" dirty="0" smtClean="0"/>
+              <a:rPr lang="ar-DZ" sz="2000" b="1" dirty="0"/>
               <a:t> </a:t>
             </a:r>
-            <a:endParaRPr lang="ar-SA" sz="2000" b="1" dirty="0" smtClean="0"/>
+            <a:endParaRPr lang="ar-SA" sz="2000" b="1" dirty="0"/>
           </a:p>
         </p:txBody>
       </p:sp>
@@ -10276,7 +10335,7 @@
               </a:spcAft>
             </a:pPr>
             <a:r>
-              <a:rPr lang="ar-SA" sz="5400" dirty="0" smtClean="0">
+              <a:rPr lang="ar-SA" sz="5400" dirty="0">
                 <a:solidFill>
                   <a:schemeClr val="bg1"/>
                 </a:solidFill>
@@ -10286,7 +10345,7 @@
               </a:rPr>
               <a:t>بعض العائلات الكميائية</a:t>
             </a:r>
-            <a:endParaRPr lang="fr-FR" sz="5400" dirty="0" smtClean="0">
+            <a:endParaRPr lang="fr-FR" sz="5400" dirty="0">
               <a:solidFill>
                 <a:schemeClr val="bg1"/>
               </a:solidFill>
@@ -10366,7 +10425,7 @@
           <a:p>
             <a:pPr algn="ctr"/>
             <a:r>
-              <a:rPr lang="ar-SA" sz="2000" b="1" dirty="0" smtClean="0"/>
+              <a:rPr lang="ar-SA" sz="2000" b="1" dirty="0"/>
               <a:t>17</a:t>
             </a:r>
             <a:endParaRPr lang="fr-FR" sz="2000" b="1" dirty="0"/>
@@ -10378,13 +10437,6 @@
   <p:clrMapOvr>
     <a:masterClrMapping/>
   </p:clrMapOvr>
-  <p:timing>
-    <p:tnLst>
-      <p:par>
-        <p:cTn id="1" dur="indefinite" restart="never" nodeType="tmRoot"/>
-      </p:par>
-    </p:tnLst>
-  </p:timing>
 </p:sld>
 </file>
 
@@ -10433,23 +10485,23 @@
           <a:p>
             <a:pPr algn="r" rtl="1"/>
             <a:r>
-              <a:rPr lang="ar-DZ" sz="2000" b="1" dirty="0" smtClean="0"/>
+              <a:rPr lang="ar-DZ" sz="2000" b="1" dirty="0"/>
               <a:t>تعريف الكهروسلبية : هي ميل الذرات لفقدان إلكترون أو أكثر المتواجدة في الطبقة السطحية </a:t>
             </a:r>
-            <a:endParaRPr lang="fr-FR" sz="2000" b="1" dirty="0" smtClean="0"/>
+            <a:endParaRPr lang="fr-FR" sz="2000" b="1" dirty="0"/>
           </a:p>
           <a:p>
             <a:pPr algn="r" rtl="1"/>
             <a:r>
-              <a:rPr lang="ar-DZ" sz="2000" b="1" dirty="0" smtClean="0"/>
+              <a:rPr lang="ar-DZ" sz="2000" b="1" dirty="0"/>
               <a:t>تعريف الكهروجابية: هي ميل الذرات لاكتساب الإلكترونـات</a:t>
             </a:r>
-            <a:endParaRPr lang="ar-SA" sz="2000" b="1" dirty="0" smtClean="0"/>
+            <a:endParaRPr lang="ar-SA" sz="2000" b="1" dirty="0"/>
           </a:p>
           <a:p>
             <a:pPr algn="r" rtl="1"/>
             <a:r>
-              <a:rPr lang="ar-SA" sz="2000" b="1" dirty="0" smtClean="0">
+              <a:rPr lang="ar-SA" sz="2000" b="1" dirty="0">
                 <a:solidFill>
                   <a:srgbClr val="CC0099"/>
                 </a:solidFill>
@@ -10457,14 +10509,14 @@
               <a:t>مثلا:....هات </a:t>
             </a:r>
             <a:r>
-              <a:rPr lang="ar-SA" sz="2000" b="1" dirty="0" err="1" smtClean="0">
+              <a:rPr lang="ar-SA" sz="2000" b="1" dirty="0" err="1">
                 <a:solidFill>
                   <a:srgbClr val="CC0099"/>
                 </a:solidFill>
               </a:rPr>
               <a:t>امثلة</a:t>
             </a:r>
-            <a:endParaRPr lang="fr-FR" sz="2000" b="1" dirty="0" smtClean="0">
+            <a:endParaRPr lang="fr-FR" sz="2000" b="1" dirty="0">
               <a:solidFill>
                 <a:srgbClr val="CC0099"/>
               </a:solidFill>
@@ -10526,7 +10578,7 @@
               </a:spcAft>
             </a:pPr>
             <a:r>
-              <a:rPr lang="ar-SA" sz="4400" dirty="0" smtClean="0">
+              <a:rPr lang="ar-SA" sz="4400" dirty="0">
                 <a:solidFill>
                   <a:schemeClr val="bg1"/>
                 </a:solidFill>
@@ -10536,7 +10588,7 @@
               </a:rPr>
               <a:t>تكافؤ ذرة</a:t>
             </a:r>
-            <a:endParaRPr lang="fr-FR" sz="4400" dirty="0" smtClean="0">
+            <a:endParaRPr lang="fr-FR" sz="4400" dirty="0">
               <a:solidFill>
                 <a:schemeClr val="bg1"/>
               </a:solidFill>
@@ -10594,11 +10646,11 @@
           <a:p>
             <a:pPr algn="ctr"/>
             <a:r>
-              <a:rPr lang="ar-DZ" sz="4000" dirty="0" smtClean="0"/>
+              <a:rPr lang="ar-DZ" sz="4000" dirty="0"/>
               <a:t> </a:t>
             </a:r>
             <a:r>
-              <a:rPr lang="ar-DZ" sz="4000" dirty="0" smtClean="0">
+              <a:rPr lang="ar-DZ" sz="4000" dirty="0">
                 <a:solidFill>
                   <a:schemeClr val="bg1"/>
                 </a:solidFill>
@@ -10609,7 +10661,7 @@
               <a:t>الكهروسلبية </a:t>
             </a:r>
             <a:r>
-              <a:rPr lang="ar-DZ" sz="4000" dirty="0" err="1" smtClean="0">
+              <a:rPr lang="ar-DZ" sz="4000" dirty="0" err="1">
                 <a:solidFill>
                   <a:schemeClr val="bg1"/>
                 </a:solidFill>
@@ -10620,7 +10672,7 @@
               <a:t>و</a:t>
             </a:r>
             <a:r>
-              <a:rPr lang="ar-DZ" sz="4000" dirty="0" smtClean="0">
+              <a:rPr lang="ar-DZ" sz="4000" dirty="0">
                 <a:solidFill>
                   <a:schemeClr val="bg1"/>
                 </a:solidFill>
@@ -10662,22 +10714,22 @@
           <a:p>
             <a:pPr algn="r" rtl="1"/>
             <a:r>
-              <a:rPr lang="ar-DZ" sz="2000" b="1" dirty="0" smtClean="0"/>
+              <a:rPr lang="ar-DZ" sz="2000" b="1" dirty="0"/>
               <a:t>يعبر عن عدد الالكترونات التي يمكن أن تفقدها الذرة أو تكسبها لتحصل على طبقة خارجية مشبعة.  </a:t>
             </a:r>
-            <a:endParaRPr lang="ar-SA" sz="2000" b="1" dirty="0" smtClean="0"/>
+            <a:endParaRPr lang="ar-SA" sz="2000" b="1" dirty="0"/>
           </a:p>
           <a:p>
             <a:pPr algn="r" rtl="1"/>
             <a:r>
-              <a:rPr lang="ar-SA" sz="2000" b="1" dirty="0" smtClean="0">
+              <a:rPr lang="ar-SA" sz="2000" b="1" dirty="0">
                 <a:solidFill>
                   <a:srgbClr val="CC0099"/>
                 </a:solidFill>
               </a:rPr>
               <a:t>مثلا:.....هات أمثلة </a:t>
             </a:r>
-            <a:endParaRPr lang="fr-FR" sz="2000" b="1" dirty="0" smtClean="0">
+            <a:endParaRPr lang="fr-FR" sz="2000" b="1" dirty="0">
               <a:solidFill>
                 <a:srgbClr val="CC0099"/>
               </a:solidFill>
@@ -10754,7 +10806,7 @@
           <a:p>
             <a:pPr algn="ctr"/>
             <a:r>
-              <a:rPr lang="ar-SA" sz="2000" b="1" dirty="0" smtClean="0"/>
+              <a:rPr lang="ar-SA" sz="2000" b="1" dirty="0"/>
               <a:t>18</a:t>
             </a:r>
             <a:endParaRPr lang="fr-FR" sz="2000" b="1" dirty="0"/>
@@ -10766,13 +10818,6 @@
   <p:clrMapOvr>
     <a:masterClrMapping/>
   </p:clrMapOvr>
-  <p:timing>
-    <p:tnLst>
-      <p:par>
-        <p:cTn id="1" dur="indefinite" restart="never" nodeType="tmRoot"/>
-      </p:par>
-    </p:tnLst>
-  </p:timing>
 </p:sld>
 </file>
 
@@ -10853,7 +10898,7 @@
           <a:lstStyle/>
           <a:p>
             <a:r>
-              <a:rPr lang="ar-SA" sz="9600" dirty="0" smtClean="0">
+              <a:rPr lang="ar-SA" sz="9600" dirty="0">
                 <a:solidFill>
                   <a:schemeClr val="accent3">
                     <a:lumMod val="50000"/>
@@ -10866,57 +10911,6 @@
               <a:t>التوزيع الإلكتروني</a:t>
             </a:r>
             <a:endParaRPr lang="fr-FR" sz="9600" dirty="0">
-              <a:solidFill>
-                <a:schemeClr val="accent3">
-                  <a:lumMod val="50000"/>
-                </a:schemeClr>
-              </a:solidFill>
-            </a:endParaRPr>
-          </a:p>
-        </p:txBody>
-      </p:sp>
-      <p:sp>
-        <p:nvSpPr>
-          <p:cNvPr id="4" name="Rectangle 3"/>
-          <p:cNvSpPr/>
-          <p:nvPr/>
-        </p:nvSpPr>
-        <p:spPr>
-          <a:xfrm>
-            <a:off x="571472" y="4071942"/>
-            <a:ext cx="7500958" cy="461665"/>
-          </a:xfrm>
-          <a:prstGeom prst="rect">
-            <a:avLst/>
-          </a:prstGeom>
-          <a:solidFill>
-            <a:schemeClr val="accent3">
-              <a:lumMod val="20000"/>
-              <a:lumOff val="80000"/>
-            </a:schemeClr>
-          </a:solidFill>
-        </p:spPr>
-        <p:txBody>
-          <a:bodyPr wrap="square">
-            <a:spAutoFit/>
-          </a:bodyPr>
-          <a:lstStyle/>
-          <a:p>
-            <a:pPr algn="r"/>
-            <a:r>
-              <a:rPr lang="ar-SA" sz="2400" b="1" dirty="0" smtClean="0">
-                <a:solidFill>
-                  <a:schemeClr val="accent3">
-                    <a:lumMod val="50000"/>
-                  </a:schemeClr>
-                </a:solidFill>
-                <a:latin typeface="ae_AlHor" charset="0"/>
-                <a:ea typeface="Times New Roman" pitchFamily="18" charset="0"/>
-                <a:cs typeface="Arial" pitchFamily="34" charset="0"/>
-              </a:rPr>
-              <a:t>الاستاذة: سمية عبد الصمد                     ثانوية نجاي عثمان المعذر </a:t>
-            </a:r>
-            <a:endParaRPr lang="fr-FR" sz="1600" b="1" dirty="0">
               <a:solidFill>
                 <a:schemeClr val="accent3">
                   <a:lumMod val="50000"/>
@@ -10969,7 +10963,7 @@
           <a:p>
             <a:pPr algn="ctr"/>
             <a:r>
-              <a:rPr lang="ar-SA" sz="2000" b="1" dirty="0" smtClean="0"/>
+              <a:rPr lang="ar-SA" sz="2000" b="1" dirty="0"/>
               <a:t>01</a:t>
             </a:r>
             <a:endParaRPr lang="fr-FR" sz="2000" b="1" dirty="0"/>
@@ -10981,13 +10975,6 @@
   <p:clrMapOvr>
     <a:masterClrMapping/>
   </p:clrMapOvr>
-  <p:timing>
-    <p:tnLst>
-      <p:par>
-        <p:cTn id="1" dur="indefinite" restart="never" nodeType="tmRoot"/>
-      </p:par>
-    </p:tnLst>
-  </p:timing>
 </p:sld>
 </file>
 
@@ -11055,7 +11042,7 @@
           <a:p>
             <a:pPr algn="ctr"/>
             <a:r>
-              <a:rPr lang="ar-SA" sz="6600" dirty="0" smtClean="0">
+              <a:rPr lang="ar-SA" sz="6600" dirty="0">
                 <a:solidFill>
                   <a:schemeClr val="bg1"/>
                 </a:solidFill>
@@ -11066,7 +11053,7 @@
               <a:t>نتيجة</a:t>
             </a:r>
             <a:r>
-              <a:rPr lang="ar-SA" sz="5400" dirty="0" smtClean="0">
+              <a:rPr lang="ar-SA" sz="5400" dirty="0">
                 <a:solidFill>
                   <a:schemeClr val="bg1"/>
                 </a:solidFill>
@@ -11113,7 +11100,7 @@
               </a:lnSpc>
             </a:pPr>
             <a:r>
-              <a:rPr lang="ar-DZ" sz="2400" b="1" dirty="0" smtClean="0">
+              <a:rPr lang="ar-DZ" sz="2400" b="1" dirty="0">
                 <a:solidFill>
                   <a:srgbClr val="CC0099"/>
                 </a:solidFill>
@@ -11121,7 +11108,7 @@
               <a:t>عناصر العمود</a:t>
             </a:r>
             <a:r>
-              <a:rPr lang="fr-FR" sz="2400" b="1" dirty="0" smtClean="0">
+              <a:rPr lang="fr-FR" sz="2400" b="1" dirty="0">
                 <a:solidFill>
                   <a:srgbClr val="CC0099"/>
                 </a:solidFill>
@@ -11129,14 +11116,14 @@
               <a:t> III  II  I </a:t>
             </a:r>
             <a:r>
-              <a:rPr lang="ar-DZ" sz="2400" b="1" dirty="0" smtClean="0">
+              <a:rPr lang="ar-DZ" sz="2400" b="1" dirty="0">
                 <a:solidFill>
                   <a:srgbClr val="CC0099"/>
                 </a:solidFill>
               </a:rPr>
               <a:t>هي عناصر كهروجابية.</a:t>
             </a:r>
-            <a:endParaRPr lang="fr-FR" sz="2400" b="1" dirty="0" smtClean="0">
+            <a:endParaRPr lang="fr-FR" sz="2400" b="1" dirty="0">
               <a:solidFill>
                 <a:srgbClr val="CC0099"/>
               </a:solidFill>
@@ -11149,7 +11136,7 @@
               </a:lnSpc>
             </a:pPr>
             <a:r>
-              <a:rPr lang="ar-DZ" sz="2400" b="1" dirty="0" smtClean="0">
+              <a:rPr lang="ar-DZ" sz="2400" b="1" dirty="0">
                 <a:solidFill>
                   <a:srgbClr val="CC0099"/>
                 </a:solidFill>
@@ -11157,7 +11144,7 @@
               <a:t>عناصر العمود</a:t>
             </a:r>
             <a:r>
-              <a:rPr lang="fr-FR" sz="2400" b="1" dirty="0" smtClean="0">
+              <a:rPr lang="fr-FR" sz="2400" b="1" dirty="0">
                 <a:solidFill>
                   <a:srgbClr val="CC0099"/>
                 </a:solidFill>
@@ -11165,7 +11152,7 @@
               <a:t>V  </a:t>
             </a:r>
             <a:r>
-              <a:rPr lang="ar-DZ" sz="2400" b="1" dirty="0" smtClean="0">
+              <a:rPr lang="ar-DZ" sz="2400" b="1" dirty="0">
                 <a:solidFill>
                   <a:srgbClr val="CC0099"/>
                 </a:solidFill>
@@ -11173,7 +11160,7 @@
               <a:t> ، </a:t>
             </a:r>
             <a:r>
-              <a:rPr lang="fr-FR" sz="2400" b="1" dirty="0" smtClean="0">
+              <a:rPr lang="fr-FR" sz="2400" b="1" dirty="0">
                 <a:solidFill>
                   <a:srgbClr val="CC0099"/>
                 </a:solidFill>
@@ -11181,7 +11168,7 @@
               <a:t>VI</a:t>
             </a:r>
             <a:r>
-              <a:rPr lang="ar-DZ" sz="2400" b="1" dirty="0" smtClean="0">
+              <a:rPr lang="ar-DZ" sz="2400" b="1" dirty="0">
                 <a:solidFill>
                   <a:srgbClr val="CC0099"/>
                 </a:solidFill>
@@ -11189,7 +11176,7 @@
               <a:t> ،  </a:t>
             </a:r>
             <a:r>
-              <a:rPr lang="fr-FR" sz="2400" b="1" dirty="0" smtClean="0">
+              <a:rPr lang="fr-FR" sz="2400" b="1" dirty="0">
                 <a:solidFill>
                   <a:srgbClr val="CC0099"/>
                 </a:solidFill>
@@ -11197,14 +11184,14 @@
               <a:t>VII</a:t>
             </a:r>
             <a:r>
-              <a:rPr lang="ar-DZ" sz="2400" b="1" dirty="0" smtClean="0">
+              <a:rPr lang="ar-DZ" sz="2400" b="1" dirty="0">
                 <a:solidFill>
                   <a:srgbClr val="CC0099"/>
                 </a:solidFill>
               </a:rPr>
               <a:t> هي عناصر كهروسلبية .</a:t>
             </a:r>
-            <a:endParaRPr lang="fr-FR" sz="2400" b="1" dirty="0" smtClean="0">
+            <a:endParaRPr lang="fr-FR" sz="2400" b="1" dirty="0">
               <a:solidFill>
                 <a:srgbClr val="CC0099"/>
               </a:solidFill>
@@ -11217,7 +11204,7 @@
               </a:lnSpc>
             </a:pPr>
             <a:r>
-              <a:rPr lang="ar-DZ" sz="2400" b="1" dirty="0" smtClean="0">
+              <a:rPr lang="ar-DZ" sz="2400" b="1" dirty="0">
                 <a:solidFill>
                   <a:srgbClr val="CC0099"/>
                 </a:solidFill>
@@ -11225,7 +11212,7 @@
               <a:t>عناصر العمود</a:t>
             </a:r>
             <a:r>
-              <a:rPr lang="fr-FR" sz="2400" b="1" dirty="0" smtClean="0">
+              <a:rPr lang="fr-FR" sz="2400" b="1" dirty="0">
                 <a:solidFill>
                   <a:srgbClr val="CC0099"/>
                 </a:solidFill>
@@ -11233,7 +11220,7 @@
               <a:t> I</a:t>
             </a:r>
             <a:r>
-              <a:rPr lang="ar-DZ" sz="2400" b="1" dirty="0" smtClean="0">
+              <a:rPr lang="ar-DZ" sz="2400" b="1" dirty="0">
                 <a:solidFill>
                   <a:srgbClr val="CC0099"/>
                 </a:solidFill>
@@ -11241,7 +11228,7 @@
               <a:t> أكثر كهروسلبية من عناصر العمود </a:t>
             </a:r>
             <a:r>
-              <a:rPr lang="fr-FR" sz="2400" b="1" dirty="0" smtClean="0">
+              <a:rPr lang="fr-FR" sz="2400" b="1" dirty="0">
                 <a:solidFill>
                   <a:srgbClr val="CC0099"/>
                 </a:solidFill>
@@ -11249,14 +11236,14 @@
               <a:t>II</a:t>
             </a:r>
             <a:r>
-              <a:rPr lang="ar-DZ" sz="2400" b="1" dirty="0" smtClean="0">
+              <a:rPr lang="ar-DZ" sz="2400" b="1" dirty="0">
                 <a:solidFill>
                   <a:srgbClr val="CC0099"/>
                 </a:solidFill>
               </a:rPr>
               <a:t> ، </a:t>
             </a:r>
-            <a:endParaRPr lang="ar-SA" sz="2400" b="1" dirty="0" smtClean="0">
+            <a:endParaRPr lang="ar-SA" sz="2400" b="1" dirty="0">
               <a:solidFill>
                 <a:srgbClr val="CC0099"/>
               </a:solidFill>
@@ -11269,7 +11256,7 @@
               </a:lnSpc>
             </a:pPr>
             <a:r>
-              <a:rPr lang="ar-DZ" sz="2400" b="1" dirty="0" smtClean="0">
+              <a:rPr lang="ar-DZ" sz="2400" b="1" dirty="0">
                 <a:solidFill>
                   <a:srgbClr val="CC0099"/>
                 </a:solidFill>
@@ -11277,7 +11264,7 @@
               <a:t>و هذه الأخيرة  أكثر كهروسلبية من عناصر العمود </a:t>
             </a:r>
             <a:r>
-              <a:rPr lang="fr-FR" sz="2400" b="1" dirty="0" smtClean="0">
+              <a:rPr lang="fr-FR" sz="2400" b="1" dirty="0">
                 <a:solidFill>
                   <a:srgbClr val="CC0099"/>
                 </a:solidFill>
@@ -11285,14 +11272,14 @@
               <a:t>III</a:t>
             </a:r>
             <a:r>
-              <a:rPr lang="ar-DZ" sz="2400" b="1" dirty="0" smtClean="0">
+              <a:rPr lang="ar-DZ" sz="2400" b="1" dirty="0">
                 <a:solidFill>
                   <a:srgbClr val="CC0099"/>
                 </a:solidFill>
               </a:rPr>
               <a:t> .. ..وهكذا.</a:t>
             </a:r>
-            <a:endParaRPr lang="fr-FR" sz="2400" b="1" dirty="0" smtClean="0">
+            <a:endParaRPr lang="fr-FR" sz="2400" b="1" dirty="0">
               <a:solidFill>
                 <a:srgbClr val="CC0099"/>
               </a:solidFill>
@@ -11369,7 +11356,7 @@
           <a:p>
             <a:pPr algn="ctr"/>
             <a:r>
-              <a:rPr lang="ar-SA" sz="2000" b="1" dirty="0" smtClean="0"/>
+              <a:rPr lang="ar-SA" sz="2000" b="1" dirty="0"/>
               <a:t>19</a:t>
             </a:r>
             <a:endParaRPr lang="fr-FR" sz="2000" b="1" dirty="0"/>
@@ -11381,13 +11368,6 @@
   <p:clrMapOvr>
     <a:masterClrMapping/>
   </p:clrMapOvr>
-  <p:timing>
-    <p:tnLst>
-      <p:par>
-        <p:cTn id="1" dur="indefinite" restart="never" nodeType="tmRoot"/>
-      </p:par>
-    </p:tnLst>
-  </p:timing>
 </p:sld>
 </file>
 
@@ -11462,7 +11442,7 @@
               </a:spcAft>
             </a:pPr>
             <a:r>
-              <a:rPr lang="ar-SA" sz="8800" dirty="0" smtClean="0">
+              <a:rPr lang="ar-SA" sz="8800" dirty="0">
                 <a:solidFill>
                   <a:schemeClr val="bg1"/>
                 </a:solidFill>
@@ -11472,7 +11452,7 @@
               </a:rPr>
               <a:t>إلى التقويم...</a:t>
             </a:r>
-            <a:endParaRPr lang="fr-FR" sz="8800" dirty="0" smtClean="0">
+            <a:endParaRPr lang="fr-FR" sz="8800" dirty="0">
               <a:solidFill>
                 <a:schemeClr val="bg1"/>
               </a:solidFill>
@@ -11550,60 +11530,11 @@
           </p:spPr>
         </p:pic>
       </p:grpSp>
-      <p:sp>
-        <p:nvSpPr>
-          <p:cNvPr id="6" name="Rectangle 5"/>
-          <p:cNvSpPr/>
-          <p:nvPr/>
-        </p:nvSpPr>
-        <p:spPr>
-          <a:xfrm>
-            <a:off x="71406" y="6191928"/>
-            <a:ext cx="8929718" cy="523220"/>
-          </a:xfrm>
-          <a:prstGeom prst="rect">
-            <a:avLst/>
-          </a:prstGeom>
-          <a:solidFill>
-            <a:schemeClr val="bg1">
-              <a:lumMod val="95000"/>
-            </a:schemeClr>
-          </a:solidFill>
-        </p:spPr>
-        <p:txBody>
-          <a:bodyPr wrap="square">
-            <a:spAutoFit/>
-          </a:bodyPr>
-          <a:lstStyle/>
-          <a:p>
-            <a:pPr algn="r"/>
-            <a:r>
-              <a:rPr lang="ar-SA" sz="2800" b="1" dirty="0" smtClean="0">
-                <a:solidFill>
-                  <a:prstClr val="black"/>
-                </a:solidFill>
-                <a:latin typeface="ae_AlHor" charset="0"/>
-                <a:ea typeface="Times New Roman" pitchFamily="18" charset="0"/>
-                <a:cs typeface="Arial" pitchFamily="34" charset="0"/>
-              </a:rPr>
-              <a:t>الاستاذة: سمية عبد الصمد                     ثانوية نجاي عثمان المعذر </a:t>
-            </a:r>
-            <a:endParaRPr lang="fr-FR" b="1" dirty="0"/>
-          </a:p>
-        </p:txBody>
-      </p:sp>
     </p:spTree>
   </p:cSld>
   <p:clrMapOvr>
     <a:masterClrMapping/>
   </p:clrMapOvr>
-  <p:timing>
-    <p:tnLst>
-      <p:par>
-        <p:cTn id="1" dur="indefinite" restart="never" nodeType="tmRoot"/>
-      </p:par>
-    </p:tnLst>
-  </p:timing>
 </p:sld>
 </file>
 
@@ -11656,22 +11587,22 @@
               </a:lnSpc>
             </a:pPr>
             <a:r>
-              <a:rPr lang="ar-SA" sz="2800" b="1" dirty="0" smtClean="0"/>
+              <a:rPr lang="ar-SA" sz="2800" b="1" dirty="0"/>
               <a:t>1</a:t>
             </a:r>
             <a:r>
-              <a:rPr lang="ar-DZ" sz="2800" b="1" dirty="0" smtClean="0"/>
+              <a:rPr lang="ar-DZ" sz="2800" b="1" dirty="0"/>
               <a:t> )- إذا كان الرقم الذري للألمنيوم هو 13 ، بين توزيعه الإلكتروني وكذلك    موقعه   في الجدول الدوري </a:t>
             </a:r>
             <a:r>
-              <a:rPr lang="ar-SA" sz="2800" b="1" dirty="0" smtClean="0"/>
+              <a:rPr lang="ar-SA" sz="2800" b="1" dirty="0"/>
               <a:t>؟</a:t>
             </a:r>
             <a:r>
-              <a:rPr lang="ar-DZ" sz="2800" b="1" dirty="0" smtClean="0"/>
+              <a:rPr lang="ar-DZ" sz="2800" b="1" dirty="0"/>
               <a:t>.</a:t>
             </a:r>
-            <a:endParaRPr lang="fr-FR" sz="2800" b="1" dirty="0" smtClean="0"/>
+            <a:endParaRPr lang="fr-FR" sz="2800" b="1" dirty="0"/>
           </a:p>
           <a:p>
             <a:pPr algn="r" rtl="1">
@@ -11680,26 +11611,26 @@
               </a:lnSpc>
             </a:pPr>
             <a:r>
-              <a:rPr lang="ar-DZ" sz="2800" b="1" dirty="0" smtClean="0"/>
+              <a:rPr lang="ar-DZ" sz="2800" b="1" dirty="0"/>
               <a:t>2 )-   يشغل </a:t>
             </a:r>
             <a:r>
-              <a:rPr lang="ar-DZ" sz="2800" b="1" dirty="0" err="1" smtClean="0"/>
+              <a:rPr lang="ar-DZ" sz="2800" b="1" dirty="0" err="1"/>
               <a:t>عنصرالخانة</a:t>
             </a:r>
             <a:r>
-              <a:rPr lang="ar-DZ" sz="2800" b="1" dirty="0" smtClean="0"/>
+              <a:rPr lang="ar-DZ" sz="2800" b="1" dirty="0"/>
               <a:t> المعينة بتقاطع العمود </a:t>
             </a:r>
             <a:r>
-              <a:rPr lang="fr-FR" sz="2800" b="1" dirty="0" smtClean="0"/>
+              <a:rPr lang="fr-FR" sz="2800" b="1" dirty="0"/>
               <a:t>II</a:t>
             </a:r>
             <a:r>
-              <a:rPr lang="ar-DZ" sz="2800" b="1" dirty="0" smtClean="0"/>
+              <a:rPr lang="ar-DZ" sz="2800" b="1" dirty="0"/>
               <a:t>  مع السطر الثاني ،أذكر رقمه الذري ، ما هو هذا العنصر </a:t>
             </a:r>
-            <a:endParaRPr lang="fr-FR" sz="2800" b="1" dirty="0" smtClean="0"/>
+            <a:endParaRPr lang="fr-FR" sz="2800" b="1" dirty="0"/>
           </a:p>
           <a:p>
             <a:pPr algn="r">
@@ -11708,18 +11639,18 @@
               </a:lnSpc>
             </a:pPr>
             <a:r>
-              <a:rPr lang="ar-DZ" sz="2800" b="1" dirty="0" smtClean="0"/>
+              <a:rPr lang="ar-DZ" sz="2800" b="1" dirty="0"/>
               <a:t>نفس السؤال بالنسبة لعنصر موجود في الخانة الناتجة من تقاطع العمود  </a:t>
             </a:r>
             <a:r>
-              <a:rPr lang="fr-FR" sz="2800" b="1" dirty="0" smtClean="0"/>
+              <a:rPr lang="fr-FR" sz="2800" b="1" dirty="0"/>
               <a:t>VI</a:t>
             </a:r>
             <a:r>
-              <a:rPr lang="ar-DZ" sz="2800" b="1" dirty="0" smtClean="0"/>
+              <a:rPr lang="ar-DZ" sz="2800" b="1" dirty="0"/>
               <a:t> و السطر الثالث .</a:t>
             </a:r>
-            <a:endParaRPr lang="fr-FR" sz="2800" b="1" dirty="0" smtClean="0"/>
+            <a:endParaRPr lang="fr-FR" sz="2800" b="1" dirty="0"/>
           </a:p>
         </p:txBody>
       </p:sp>
@@ -11770,7 +11701,7 @@
           <a:p>
             <a:pPr algn="ctr"/>
             <a:r>
-              <a:rPr lang="ar-SA" sz="6000" dirty="0" smtClean="0">
+              <a:rPr lang="ar-SA" sz="6000" dirty="0">
                 <a:solidFill>
                   <a:schemeClr val="bg1"/>
                 </a:solidFill>
@@ -11831,7 +11762,7 @@
           <a:p>
             <a:pPr algn="ctr"/>
             <a:r>
-              <a:rPr lang="ar-SA" sz="2000" b="1" dirty="0" smtClean="0"/>
+              <a:rPr lang="ar-SA" sz="2000" b="1" dirty="0"/>
               <a:t>21</a:t>
             </a:r>
             <a:endParaRPr lang="fr-FR" sz="2000" b="1" dirty="0"/>
@@ -11843,13 +11774,6 @@
   <p:clrMapOvr>
     <a:masterClrMapping/>
   </p:clrMapOvr>
-  <p:timing>
-    <p:tnLst>
-      <p:par>
-        <p:cTn id="1" dur="indefinite" restart="never" nodeType="tmRoot"/>
-      </p:par>
-    </p:tnLst>
-  </p:timing>
 </p:sld>
 </file>
 
@@ -11930,7 +11854,7 @@
           <a:lstStyle/>
           <a:p>
             <a:r>
-              <a:rPr lang="ar-SA" sz="13800" dirty="0" smtClean="0">
+              <a:rPr lang="ar-SA" sz="13800" dirty="0">
                 <a:solidFill>
                   <a:schemeClr val="accent3">
                     <a:lumMod val="50000"/>
@@ -11995,7 +11919,7 @@
           <a:p>
             <a:pPr algn="ctr"/>
             <a:r>
-              <a:rPr lang="ar-SA" sz="2000" b="1" dirty="0" smtClean="0"/>
+              <a:rPr lang="ar-SA" sz="2000" b="1" dirty="0"/>
               <a:t>02</a:t>
             </a:r>
             <a:endParaRPr lang="fr-FR" sz="2000" b="1" dirty="0"/>
@@ -12007,13 +11931,6 @@
   <p:clrMapOvr>
     <a:masterClrMapping/>
   </p:clrMapOvr>
-  <p:timing>
-    <p:tnLst>
-      <p:par>
-        <p:cTn id="1" dur="indefinite" restart="never" nodeType="tmRoot"/>
-      </p:par>
-    </p:tnLst>
-  </p:timing>
 </p:sld>
 </file>
 
@@ -12155,7 +12072,7 @@
           <a:p>
             <a:pPr algn="ctr"/>
             <a:r>
-              <a:rPr lang="ar-SA" sz="3600" b="1" spc="150" dirty="0" smtClean="0">
+              <a:rPr lang="ar-SA" sz="3600" b="1" spc="150" dirty="0">
                 <a:ln w="11430"/>
                 <a:solidFill>
                   <a:srgbClr val="F8F8F8"/>
@@ -12170,7 +12087,7 @@
               </a:rPr>
               <a:t>ارنست رذرفورد </a:t>
             </a:r>
-            <a:endParaRPr lang="fr-FR" sz="3600" b="1" spc="150" dirty="0" smtClean="0">
+            <a:endParaRPr lang="fr-FR" sz="3600" b="1" spc="150" dirty="0">
               <a:ln w="11430"/>
               <a:solidFill>
                 <a:srgbClr val="F8F8F8"/>
@@ -12215,7 +12132,7 @@
           <a:p>
             <a:pPr algn="r"/>
             <a:r>
-              <a:rPr lang="ar-SA" sz="2400" b="1" dirty="0" smtClean="0">
+              <a:rPr lang="ar-SA" sz="2400" b="1" dirty="0">
                 <a:solidFill>
                   <a:schemeClr val="accent3">
                     <a:lumMod val="50000"/>
@@ -12277,7 +12194,7 @@
           <a:p>
             <a:pPr algn="ctr"/>
             <a:r>
-              <a:rPr lang="ar-SA" sz="2000" b="1" dirty="0" smtClean="0"/>
+              <a:rPr lang="ar-SA" sz="2000" b="1" dirty="0"/>
               <a:t>03</a:t>
             </a:r>
             <a:endParaRPr lang="fr-FR" sz="2000" b="1" dirty="0"/>
@@ -12289,13 +12206,6 @@
   <p:clrMapOvr>
     <a:masterClrMapping/>
   </p:clrMapOvr>
-  <p:timing>
-    <p:tnLst>
-      <p:par>
-        <p:cTn id="1" dur="indefinite" restart="never" nodeType="tmRoot"/>
-      </p:par>
-    </p:tnLst>
-  </p:timing>
 </p:sld>
 </file>
 
@@ -12384,7 +12294,7 @@
           <a:lstStyle/>
           <a:p>
             <a:pPr algn="ctr"/>
-            <a:endParaRPr lang="fr-FR" sz="3600" b="1" spc="150" dirty="0" smtClean="0">
+            <a:endParaRPr lang="fr-FR" sz="3600" b="1" spc="150" dirty="0">
               <a:ln w="11430"/>
               <a:solidFill>
                 <a:srgbClr val="F8F8F8"/>
@@ -12422,7 +12332,7 @@
           <a:lstStyle/>
           <a:p>
             <a:r>
-              <a:rPr lang="ar-SA" sz="3600" b="1" spc="150" dirty="0" err="1" smtClean="0">
+              <a:rPr lang="ar-SA" sz="3600" b="1" spc="150" dirty="0" err="1">
                 <a:ln w="11430"/>
                 <a:solidFill>
                   <a:srgbClr val="F8F8F8"/>
@@ -12438,7 +12348,7 @@
               <a:t>نيلس</a:t>
             </a:r>
             <a:r>
-              <a:rPr lang="ar-SA" sz="3600" b="1" spc="150" dirty="0" smtClean="0">
+              <a:rPr lang="ar-SA" sz="3600" b="1" spc="150" dirty="0">
                 <a:ln w="11430"/>
                 <a:solidFill>
                   <a:srgbClr val="F8F8F8"/>
@@ -12454,7 +12364,7 @@
               <a:t> </a:t>
             </a:r>
             <a:r>
-              <a:rPr lang="ar-SA" sz="3600" b="1" spc="150" dirty="0" err="1" smtClean="0">
+              <a:rPr lang="ar-SA" sz="3600" b="1" spc="150" dirty="0" err="1">
                 <a:ln w="11430"/>
                 <a:solidFill>
                   <a:srgbClr val="F8F8F8"/>
@@ -12470,7 +12380,7 @@
               <a:t>هنريك</a:t>
             </a:r>
             <a:r>
-              <a:rPr lang="ar-SA" sz="3600" b="1" spc="150" dirty="0" smtClean="0">
+              <a:rPr lang="ar-SA" sz="3600" b="1" spc="150" dirty="0">
                 <a:ln w="11430"/>
                 <a:solidFill>
                   <a:srgbClr val="F8F8F8"/>
@@ -12486,11 +12396,11 @@
               <a:t> دافيد</a:t>
             </a:r>
             <a:r>
-              <a:rPr lang="ar-SA" b="1" dirty="0" smtClean="0"/>
+              <a:rPr lang="ar-SA" b="1" dirty="0"/>
               <a:t> </a:t>
             </a:r>
             <a:r>
-              <a:rPr lang="ar-SA" sz="3600" b="1" spc="150" dirty="0" smtClean="0">
+              <a:rPr lang="ar-SA" sz="3600" b="1" spc="150" dirty="0">
                 <a:ln w="11430"/>
                 <a:solidFill>
                   <a:srgbClr val="F8F8F8"/>
@@ -12505,7 +12415,7 @@
               </a:rPr>
               <a:t>بور </a:t>
             </a:r>
-            <a:endParaRPr lang="fr-FR" sz="3600" b="1" spc="150" dirty="0" smtClean="0">
+            <a:endParaRPr lang="fr-FR" sz="3600" b="1" spc="150" dirty="0">
               <a:ln w="11430"/>
               <a:solidFill>
                 <a:srgbClr val="F8F8F8"/>
@@ -12576,7 +12486,7 @@
           <a:p>
             <a:pPr algn="r"/>
             <a:r>
-              <a:rPr lang="ar-SA" sz="2400" b="1" dirty="0" smtClean="0">
+              <a:rPr lang="ar-SA" sz="2400" b="1" dirty="0">
                 <a:solidFill>
                   <a:schemeClr val="accent3">
                     <a:lumMod val="50000"/>
@@ -12589,7 +12499,7 @@
           <a:p>
             <a:pPr algn="r"/>
             <a:r>
-              <a:rPr lang="ar-SA" sz="2400" b="1" dirty="0" smtClean="0">
+              <a:rPr lang="ar-SA" sz="2400" b="1" dirty="0">
                 <a:solidFill>
                   <a:schemeClr val="accent3">
                     <a:lumMod val="50000"/>
@@ -12677,7 +12587,7 @@
           <a:p>
             <a:pPr algn="ctr"/>
             <a:r>
-              <a:rPr lang="ar-SA" sz="2000" b="1" dirty="0" smtClean="0"/>
+              <a:rPr lang="ar-SA" sz="2000" b="1" dirty="0"/>
               <a:t>04</a:t>
             </a:r>
             <a:endParaRPr lang="fr-FR" sz="2000" b="1" dirty="0"/>
@@ -12689,13 +12599,6 @@
   <p:clrMapOvr>
     <a:masterClrMapping/>
   </p:clrMapOvr>
-  <p:timing>
-    <p:tnLst>
-      <p:par>
-        <p:cTn id="1" dur="indefinite" restart="never" nodeType="tmRoot"/>
-      </p:par>
-    </p:tnLst>
-  </p:timing>
 </p:sld>
 </file>
 
@@ -12791,7 +12694,7 @@
           <a:p>
             <a:pPr lvl="0" algn="ctr"/>
             <a:r>
-              <a:rPr lang="ar-SA" sz="4800" b="1" spc="150" dirty="0" smtClean="0">
+              <a:rPr lang="ar-SA" sz="4800" b="1" spc="150" dirty="0">
                 <a:ln w="11430"/>
                 <a:solidFill>
                   <a:srgbClr val="F8F8F8"/>
@@ -12866,7 +12769,7 @@
           <a:p>
             <a:pPr algn="ctr"/>
             <a:r>
-              <a:rPr lang="ar-SA" sz="2000" b="1" dirty="0" smtClean="0"/>
+              <a:rPr lang="ar-SA" sz="2000" b="1" dirty="0"/>
               <a:t>05</a:t>
             </a:r>
             <a:endParaRPr lang="fr-FR" sz="2000" b="1" dirty="0"/>
@@ -12878,13 +12781,6 @@
   <p:clrMapOvr>
     <a:masterClrMapping/>
   </p:clrMapOvr>
-  <p:timing>
-    <p:tnLst>
-      <p:par>
-        <p:cTn id="1" dur="indefinite" restart="never" nodeType="tmRoot"/>
-      </p:par>
-    </p:tnLst>
-  </p:timing>
 </p:sld>
 </file>
 
@@ -12986,7 +12882,7 @@
           <a:p>
             <a:pPr lvl="0" algn="ctr"/>
             <a:r>
-              <a:rPr lang="ar-SA" sz="6600" b="1" spc="150" dirty="0" smtClean="0">
+              <a:rPr lang="ar-SA" sz="6600" b="1" spc="150" dirty="0">
                 <a:ln w="11430"/>
                 <a:solidFill>
                   <a:srgbClr val="F8F8F8"/>
@@ -13061,7 +12957,7 @@
           <a:p>
             <a:pPr algn="ctr"/>
             <a:r>
-              <a:rPr lang="ar-SA" sz="2000" b="1" dirty="0" smtClean="0"/>
+              <a:rPr lang="ar-SA" sz="2000" b="1" dirty="0"/>
               <a:t>06</a:t>
             </a:r>
             <a:endParaRPr lang="fr-FR" sz="2000" b="1" dirty="0"/>
@@ -13073,13 +12969,6 @@
   <p:clrMapOvr>
     <a:masterClrMapping/>
   </p:clrMapOvr>
-  <p:timing>
-    <p:tnLst>
-      <p:par>
-        <p:cTn id="1" dur="indefinite" restart="never" nodeType="tmRoot"/>
-      </p:par>
-    </p:tnLst>
-  </p:timing>
 </p:sld>
 </file>
 
@@ -13209,18 +13098,13 @@
             <a:lstStyle/>
             <a:p>
               <a:r>
-                <a:rPr lang="fr-FR" sz="2000" b="1" dirty="0" smtClean="0">
+                <a:rPr lang="fr-FR" sz="2000" b="1" dirty="0">
                   <a:solidFill>
                     <a:srgbClr val="00B050"/>
                   </a:solidFill>
                 </a:rPr>
                 <a:t>n=1</a:t>
               </a:r>
-              <a:endParaRPr lang="fr-FR" sz="2000" b="1" dirty="0">
-                <a:solidFill>
-                  <a:srgbClr val="00B050"/>
-                </a:solidFill>
-              </a:endParaRPr>
             </a:p>
           </p:txBody>
         </p:sp>
@@ -13308,18 +13192,13 @@
             <a:lstStyle/>
             <a:p>
               <a:r>
-                <a:rPr lang="fr-FR" sz="2000" b="1" dirty="0" smtClean="0">
+                <a:rPr lang="fr-FR" sz="2000" b="1" dirty="0">
                   <a:solidFill>
                     <a:srgbClr val="00B050"/>
                   </a:solidFill>
                 </a:rPr>
                 <a:t>n=2</a:t>
               </a:r>
-              <a:endParaRPr lang="fr-FR" sz="2000" b="1" dirty="0">
-                <a:solidFill>
-                  <a:srgbClr val="00B050"/>
-                </a:solidFill>
-              </a:endParaRPr>
             </a:p>
           </p:txBody>
         </p:sp>
@@ -13407,18 +13286,13 @@
             <a:lstStyle/>
             <a:p>
               <a:r>
-                <a:rPr lang="fr-FR" sz="2000" b="1" dirty="0" smtClean="0">
+                <a:rPr lang="fr-FR" sz="2000" b="1" dirty="0">
                   <a:solidFill>
                     <a:srgbClr val="00B050"/>
                   </a:solidFill>
                 </a:rPr>
                 <a:t>n=3</a:t>
               </a:r>
-              <a:endParaRPr lang="fr-FR" sz="2000" b="1" dirty="0">
-                <a:solidFill>
-                  <a:srgbClr val="00B050"/>
-                </a:solidFill>
-              </a:endParaRPr>
             </a:p>
           </p:txBody>
         </p:sp>
@@ -13506,18 +13380,13 @@
             <a:lstStyle/>
             <a:p>
               <a:r>
-                <a:rPr lang="fr-FR" sz="2000" b="1" dirty="0" smtClean="0">
+                <a:rPr lang="fr-FR" sz="2000" b="1" dirty="0">
                   <a:solidFill>
                     <a:srgbClr val="00B050"/>
                   </a:solidFill>
                 </a:rPr>
                 <a:t>n=4</a:t>
               </a:r>
-              <a:endParaRPr lang="fr-FR" sz="2000" b="1" dirty="0">
-                <a:solidFill>
-                  <a:srgbClr val="00B050"/>
-                </a:solidFill>
-              </a:endParaRPr>
             </a:p>
           </p:txBody>
         </p:sp>
@@ -13605,18 +13474,13 @@
             <a:lstStyle/>
             <a:p>
               <a:r>
-                <a:rPr lang="fr-FR" sz="2000" b="1" dirty="0" smtClean="0">
+                <a:rPr lang="fr-FR" sz="2000" b="1" dirty="0">
                   <a:solidFill>
                     <a:srgbClr val="00B050"/>
                   </a:solidFill>
                 </a:rPr>
                 <a:t>n=5</a:t>
               </a:r>
-              <a:endParaRPr lang="fr-FR" sz="2000" b="1" dirty="0">
-                <a:solidFill>
-                  <a:srgbClr val="00B050"/>
-                </a:solidFill>
-              </a:endParaRPr>
             </a:p>
           </p:txBody>
         </p:sp>
@@ -13644,7 +13508,7 @@
           <a:lstStyle/>
           <a:p>
             <a:r>
-              <a:rPr lang="fr-FR" sz="3200" b="1" dirty="0" smtClean="0">
+              <a:rPr lang="fr-FR" sz="3200" b="1" dirty="0">
                 <a:solidFill>
                   <a:srgbClr val="FF0000"/>
                 </a:solidFill>
@@ -13682,7 +13546,7 @@
           <a:lstStyle/>
           <a:p>
             <a:r>
-              <a:rPr lang="fr-FR" sz="3200" b="1" dirty="0" smtClean="0">
+              <a:rPr lang="fr-FR" sz="3200" b="1" dirty="0">
                 <a:solidFill>
                   <a:srgbClr val="FF0000"/>
                 </a:solidFill>
@@ -13715,7 +13579,7 @@
           <a:lstStyle/>
           <a:p>
             <a:r>
-              <a:rPr lang="fr-FR" sz="3200" b="1" dirty="0" smtClean="0">
+              <a:rPr lang="fr-FR" sz="3200" b="1" dirty="0">
                 <a:solidFill>
                   <a:srgbClr val="FF0000"/>
                 </a:solidFill>
@@ -13748,7 +13612,7 @@
           <a:lstStyle/>
           <a:p>
             <a:r>
-              <a:rPr lang="fr-FR" sz="3200" b="1" dirty="0" smtClean="0">
+              <a:rPr lang="fr-FR" sz="3200" b="1" dirty="0">
                 <a:solidFill>
                   <a:srgbClr val="FF0000"/>
                 </a:solidFill>
@@ -13781,7 +13645,7 @@
           <a:lstStyle/>
           <a:p>
             <a:r>
-              <a:rPr lang="fr-FR" sz="3200" b="1" dirty="0" smtClean="0">
+              <a:rPr lang="fr-FR" sz="3200" b="1" dirty="0">
                 <a:solidFill>
                   <a:srgbClr val="FF0000"/>
                 </a:solidFill>
@@ -13840,7 +13704,7 @@
           <a:p>
             <a:pPr lvl="0" algn="ctr"/>
             <a:r>
-              <a:rPr lang="ar-SA" sz="4400" b="1" spc="150" dirty="0" smtClean="0">
+              <a:rPr lang="ar-SA" sz="4400" b="1" spc="150" dirty="0">
                 <a:ln w="11430"/>
                 <a:solidFill>
                   <a:srgbClr val="F8F8F8"/>
@@ -13941,7 +13805,7 @@
           <a:p>
             <a:pPr algn="ctr"/>
             <a:r>
-              <a:rPr lang="ar-SA" sz="2000" b="1" dirty="0" smtClean="0"/>
+              <a:rPr lang="ar-SA" sz="2000" b="1" dirty="0"/>
               <a:t>07</a:t>
             </a:r>
             <a:endParaRPr lang="fr-FR" sz="2000" b="1" dirty="0"/>
@@ -14620,7 +14484,7 @@
               </a:spcAft>
             </a:pPr>
             <a:r>
-              <a:rPr lang="ar-SA" sz="4400" dirty="0" smtClean="0">
+              <a:rPr lang="ar-SA" sz="4400" dirty="0">
                 <a:solidFill>
                   <a:schemeClr val="bg1"/>
                 </a:solidFill>
@@ -14630,7 +14494,7 @@
               </a:rPr>
               <a:t>نموذج التوزيع الإلكتروني على الطبقات</a:t>
             </a:r>
-            <a:endParaRPr lang="fr-FR" sz="4400" dirty="0" smtClean="0">
+            <a:endParaRPr lang="fr-FR" sz="4400" dirty="0">
               <a:solidFill>
                 <a:schemeClr val="bg1"/>
               </a:solidFill>
@@ -14690,7 +14554,7 @@
                 </a:spcAft>
               </a:pPr>
               <a:r>
-                <a:rPr lang="ar-SA" sz="2800" dirty="0" smtClean="0">
+                <a:rPr lang="ar-SA" sz="2800" dirty="0">
                   <a:solidFill>
                     <a:prstClr val="black"/>
                   </a:solidFill>
@@ -14701,7 +14565,7 @@
                 <a:t>تتوزع الإلكترونات على طبقات  إلكترونية </a:t>
               </a:r>
               <a:r>
-                <a:rPr lang="fr-FR" sz="2800" dirty="0" smtClean="0">
+                <a:rPr lang="fr-FR" sz="2800" dirty="0">
                   <a:solidFill>
                     <a:prstClr val="black"/>
                   </a:solidFill>
@@ -14712,7 +14576,7 @@
                 <a:t>..K,L,M</a:t>
               </a:r>
               <a:r>
-                <a:rPr lang="ar-SA" sz="2800" dirty="0" smtClean="0">
+                <a:rPr lang="ar-SA" sz="2800" dirty="0">
                   <a:solidFill>
                     <a:prstClr val="black"/>
                   </a:solidFill>
@@ -14722,7 +14586,7 @@
                 </a:rPr>
                 <a:t>.</a:t>
               </a:r>
-              <a:endParaRPr lang="fr-FR" sz="2800" dirty="0" smtClean="0">
+              <a:endParaRPr lang="fr-FR" sz="2800" dirty="0">
                 <a:solidFill>
                   <a:prstClr val="black"/>
                 </a:solidFill>
@@ -14961,7 +14825,7 @@
                 <a:tabLst/>
               </a:pPr>
               <a:r>
-                <a:rPr kumimoji="0" lang="ar-SA" sz="2800" b="0" i="0" u="none" strike="noStrike" cap="none" normalizeH="0" baseline="0" dirty="0" smtClean="0">
+                <a:rPr kumimoji="0" lang="ar-SA" sz="2800" b="0" i="0" u="none" strike="noStrike" cap="none" normalizeH="0" baseline="0" dirty="0">
                   <a:ln>
                     <a:noFill/>
                   </a:ln>
@@ -14976,7 +14840,7 @@
                 <a:t>كل طبقة تستوعب عددا معينا من الإلكترونات</a:t>
               </a:r>
               <a:r>
-                <a:rPr kumimoji="0" lang="fr-FR" sz="2800" b="0" i="0" u="none" strike="noStrike" cap="none" normalizeH="0" baseline="0" dirty="0" smtClean="0">
+                <a:rPr kumimoji="0" lang="fr-FR" sz="2800" b="0" i="0" u="none" strike="noStrike" cap="none" normalizeH="0" baseline="0" dirty="0">
                   <a:ln>
                     <a:noFill/>
                   </a:ln>
@@ -14990,7 +14854,7 @@
                 </a:rPr>
                 <a:t>.</a:t>
               </a:r>
-              <a:endParaRPr kumimoji="0" lang="ar-SA" sz="2800" b="0" i="0" u="none" strike="noStrike" cap="none" normalizeH="0" baseline="0" dirty="0" smtClean="0">
+              <a:endParaRPr kumimoji="0" lang="ar-SA" sz="2800" b="0" i="0" u="none" strike="noStrike" cap="none" normalizeH="0" baseline="0" dirty="0">
                 <a:ln>
                   <a:noFill/>
                 </a:ln>
@@ -15183,10 +15047,34 @@
                 <a:tableStyleId>{C4B1156A-380E-4F78-BDF5-A606A8083BF9}</a:tableStyleId>
               </a:tblPr>
               <a:tblGrid>
-                <a:gridCol w="2418955"/>
-                <a:gridCol w="1574436"/>
-                <a:gridCol w="1575205"/>
-                <a:gridCol w="1575205"/>
+                <a:gridCol w="2418955">
+                  <a:extLst>
+                    <a:ext uri="{9D8B030D-6E8A-4147-A177-3AD203B41FA5}">
+                      <a16:colId xmlns:a16="http://schemas.microsoft.com/office/drawing/2014/main" val="20000"/>
+                    </a:ext>
+                  </a:extLst>
+                </a:gridCol>
+                <a:gridCol w="1574436">
+                  <a:extLst>
+                    <a:ext uri="{9D8B030D-6E8A-4147-A177-3AD203B41FA5}">
+                      <a16:colId xmlns:a16="http://schemas.microsoft.com/office/drawing/2014/main" val="20001"/>
+                    </a:ext>
+                  </a:extLst>
+                </a:gridCol>
+                <a:gridCol w="1575205">
+                  <a:extLst>
+                    <a:ext uri="{9D8B030D-6E8A-4147-A177-3AD203B41FA5}">
+                      <a16:colId xmlns:a16="http://schemas.microsoft.com/office/drawing/2014/main" val="20002"/>
+                    </a:ext>
+                  </a:extLst>
+                </a:gridCol>
+                <a:gridCol w="1575205">
+                  <a:extLst>
+                    <a:ext uri="{9D8B030D-6E8A-4147-A177-3AD203B41FA5}">
+                      <a16:colId xmlns:a16="http://schemas.microsoft.com/office/drawing/2014/main" val="20003"/>
+                    </a:ext>
+                  </a:extLst>
+                </a:gridCol>
               </a:tblGrid>
               <a:tr h="572570">
                 <a:tc>
@@ -15329,6 +15217,11 @@
                     </a:solidFill>
                   </a:tcPr>
                 </a:tc>
+                <a:extLst>
+                  <a:ext uri="{0D108BD9-81ED-4DB2-BD59-A6C34878D82A}">
+                    <a16:rowId xmlns:a16="http://schemas.microsoft.com/office/drawing/2014/main" val="10000"/>
+                  </a:ext>
+                </a:extLst>
               </a:tr>
               <a:tr h="641876">
                 <a:tc>
@@ -15454,6 +15347,11 @@
                   </a:txBody>
                   <a:tcPr marL="68580" marR="68580" marT="0" marB="0" anchor="ctr"/>
                 </a:tc>
+                <a:extLst>
+                  <a:ext uri="{0D108BD9-81ED-4DB2-BD59-A6C34878D82A}">
+                    <a16:rowId xmlns:a16="http://schemas.microsoft.com/office/drawing/2014/main" val="10001"/>
+                  </a:ext>
+                </a:extLst>
               </a:tr>
               <a:tr h="500066">
                 <a:tc>
@@ -15595,6 +15493,11 @@
                   </a:txBody>
                   <a:tcPr marL="68580" marR="68580" marT="0" marB="0"/>
                 </a:tc>
+                <a:extLst>
+                  <a:ext uri="{0D108BD9-81ED-4DB2-BD59-A6C34878D82A}">
+                    <a16:rowId xmlns:a16="http://schemas.microsoft.com/office/drawing/2014/main" val="10002"/>
+                  </a:ext>
+                </a:extLst>
               </a:tr>
             </a:tbl>
           </a:graphicData>
@@ -15643,7 +15546,7 @@
           <a:p>
             <a:pPr algn="ctr"/>
             <a:r>
-              <a:rPr lang="ar-SA" sz="2000" b="1" dirty="0" smtClean="0"/>
+              <a:rPr lang="ar-SA" sz="2000" b="1" dirty="0"/>
               <a:t>08</a:t>
             </a:r>
             <a:endParaRPr lang="fr-FR" sz="2000" b="1" dirty="0"/>

--- a/1AS/atome_SA.pptx
+++ b/1AS/atome_SA.pptx
@@ -5881,7 +5881,7 @@
           <a:graphicData uri="http://schemas.openxmlformats.org/presentationml/2006/ole">
             <mc:AlternateContent xmlns:mc="http://schemas.openxmlformats.org/markup-compatibility/2006">
               <mc:Choice xmlns:v="urn:schemas-microsoft-com:vml" Requires="v">
-                <p:oleObj spid="_x0000_s4097" name="Equation" r:id="rId2" imgW="330057" imgH="241195" progId="Equation.DSMT4">
+                <p:oleObj name="Equation" r:id="rId2" imgW="330057" imgH="241195" progId="Equation.DSMT4">
                   <p:embed/>
                 </p:oleObj>
               </mc:Choice>
@@ -5989,7 +5989,7 @@
           <a:graphicData uri="http://schemas.openxmlformats.org/presentationml/2006/ole">
             <mc:AlternateContent xmlns:mc="http://schemas.openxmlformats.org/markup-compatibility/2006">
               <mc:Choice xmlns:v="urn:schemas-microsoft-com:vml" Requires="v">
-                <p:oleObj spid="_x0000_s4104" name="Equation" r:id="rId4" imgW="977760" imgH="279360" progId="Equation.DSMT4">
+                <p:oleObj name="Equation" r:id="rId4" imgW="977760" imgH="279360" progId="Equation.DSMT4">
                   <p:embed/>
                 </p:oleObj>
               </mc:Choice>
@@ -7669,48 +7669,6 @@
           </p:spPr>
         </p:pic>
       </p:grpSp>
-      <p:sp>
-        <p:nvSpPr>
-          <p:cNvPr id="6" name="Rectangle 5"/>
-          <p:cNvSpPr/>
-          <p:nvPr/>
-        </p:nvSpPr>
-        <p:spPr>
-          <a:xfrm>
-            <a:off x="71406" y="6191928"/>
-            <a:ext cx="8929718" cy="523220"/>
-          </a:xfrm>
-          <a:prstGeom prst="rect">
-            <a:avLst/>
-          </a:prstGeom>
-          <a:solidFill>
-            <a:schemeClr val="bg1">
-              <a:lumMod val="95000"/>
-            </a:schemeClr>
-          </a:solidFill>
-        </p:spPr>
-        <p:txBody>
-          <a:bodyPr wrap="square">
-            <a:spAutoFit/>
-          </a:bodyPr>
-          <a:lstStyle/>
-          <a:p>
-            <a:pPr algn="r"/>
-            <a:r>
-              <a:rPr lang="ar-SA" sz="2800" b="1" dirty="0">
-                <a:solidFill>
-                  <a:prstClr val="black"/>
-                </a:solidFill>
-                <a:latin typeface="ae_AlHor" charset="0"/>
-                <a:ea typeface="Times New Roman" pitchFamily="18" charset="0"/>
-                <a:cs typeface="Arial" pitchFamily="34" charset="0"/>
-              </a:rPr>
-              <a:t>الاستاذة: سمية عبد الصمد                     ثانوية نجاي عثمان المعذر </a:t>
-            </a:r>
-            <a:endParaRPr lang="fr-FR" b="1" dirty="0"/>
-          </a:p>
-        </p:txBody>
-      </p:sp>
     </p:spTree>
   </p:cSld>
   <p:clrMapOvr>
